--- a/Wei Hu Master of Statistics Final Oral Exam Apr 12.pptx
+++ b/Wei Hu Master of Statistics Final Oral Exam Apr 12.pptx
@@ -217,11 +217,11 @@
           <c:showBubbleSize val="0"/>
         </c:dLbls>
         <c:gapWidth val="150"/>
-        <c:axId val="85963136"/>
-        <c:axId val="85965056"/>
+        <c:axId val="98678272"/>
+        <c:axId val="98680192"/>
       </c:barChart>
       <c:catAx>
-        <c:axId val="85963136"/>
+        <c:axId val="98678272"/>
         <c:scaling>
           <c:orientation val="minMax"/>
         </c:scaling>
@@ -249,7 +249,7 @@
         <c:majorTickMark val="out"/>
         <c:minorTickMark val="none"/>
         <c:tickLblPos val="nextTo"/>
-        <c:crossAx val="85965056"/>
+        <c:crossAx val="98680192"/>
         <c:crosses val="autoZero"/>
         <c:auto val="1"/>
         <c:lblAlgn val="ctr"/>
@@ -257,7 +257,7 @@
         <c:noMultiLvlLbl val="0"/>
       </c:catAx>
       <c:valAx>
-        <c:axId val="85965056"/>
+        <c:axId val="98680192"/>
         <c:scaling>
           <c:orientation val="minMax"/>
         </c:scaling>
@@ -286,7 +286,7 @@
         <c:majorTickMark val="out"/>
         <c:minorTickMark val="none"/>
         <c:tickLblPos val="nextTo"/>
-        <c:crossAx val="85963136"/>
+        <c:crossAx val="98678272"/>
         <c:crosses val="autoZero"/>
         <c:crossBetween val="between"/>
       </c:valAx>
@@ -383,7 +383,7 @@
           <a:p>
             <a:fld id="{89B26B28-4E24-4BD8-85E7-15485E36F105}" type="datetimeFigureOut">
               <a:rPr lang="en-US" smtClean="0"/>
-              <a:t>4/8/2017</a:t>
+              <a:t>4/10/2017</a:t>
             </a:fld>
             <a:endParaRPr lang="en-US"/>
           </a:p>
@@ -695,6 +695,34 @@
           <a:bodyPr/>
           <a:lstStyle/>
           <a:p>
+            <a:pPr marL="0" marR="0" indent="0" algn="l" defTabSz="914400" rtl="0" eaLnBrk="1" fontAlgn="auto" latinLnBrk="0" hangingPunct="1">
+              <a:lnSpc>
+                <a:spcPct val="100000"/>
+              </a:lnSpc>
+              <a:spcBef>
+                <a:spcPts val="0"/>
+              </a:spcBef>
+              <a:spcAft>
+                <a:spcPts val="0"/>
+              </a:spcAft>
+              <a:buClrTx/>
+              <a:buSzTx/>
+              <a:buFontTx/>
+              <a:buNone/>
+              <a:tabLst/>
+              <a:defRPr/>
+            </a:pPr>
+            <a:r>
+              <a:rPr lang="en-US" dirty="0" smtClean="0"/>
+              <a:t>Good</a:t>
+            </a:r>
+            <a:r>
+              <a:rPr lang="en-US" baseline="0" dirty="0" smtClean="0"/>
+              <a:t> afternoon, Prof. Meeker, Prof. Wang and Prof. Wu. Thank you very much for being my committee members and attending my final exam. Today the topic of my creative component is </a:t>
+            </a:r>
+            <a:endParaRPr lang="en-US" dirty="0" smtClean="0"/>
+          </a:p>
+          <a:p>
             <a:endParaRPr lang="en-US" dirty="0"/>
           </a:p>
         </p:txBody>
@@ -716,7 +744,7 @@
           <a:p>
             <a:fld id="{08FA020E-B5B7-4F69-A76A-98291E228208}" type="slidenum">
               <a:rPr lang="en-US" smtClean="0"/>
-              <a:t>2</a:t>
+              <a:t>1</a:t>
             </a:fld>
             <a:endParaRPr lang="en-US"/>
           </a:p>
@@ -725,7 +753,7 @@
     </p:spTree>
     <p:extLst>
       <p:ext uri="{BB962C8B-B14F-4D97-AF65-F5344CB8AC3E}">
-        <p14:creationId xmlns:p14="http://schemas.microsoft.com/office/powerpoint/2010/main" val="391962599"/>
+        <p14:creationId xmlns:p14="http://schemas.microsoft.com/office/powerpoint/2010/main" val="1530694804"/>
       </p:ext>
     </p:extLst>
   </p:cSld>
@@ -800,7 +828,7 @@
           <a:p>
             <a:fld id="{08FA020E-B5B7-4F69-A76A-98291E228208}" type="slidenum">
               <a:rPr lang="en-US" smtClean="0"/>
-              <a:t>11</a:t>
+              <a:t>10</a:t>
             </a:fld>
             <a:endParaRPr lang="en-US"/>
           </a:p>
@@ -884,7 +912,7 @@
           <a:p>
             <a:fld id="{08FA020E-B5B7-4F69-A76A-98291E228208}" type="slidenum">
               <a:rPr lang="en-US" smtClean="0"/>
-              <a:t>12</a:t>
+              <a:t>11</a:t>
             </a:fld>
             <a:endParaRPr lang="en-US"/>
           </a:p>
@@ -947,6 +975,14 @@
           <a:bodyPr/>
           <a:lstStyle/>
           <a:p>
+            <a:r>
+              <a:rPr lang="en-US" dirty="0" smtClean="0"/>
+              <a:t>The</a:t>
+            </a:r>
+            <a:r>
+              <a:rPr lang="en-US" baseline="0" dirty="0" smtClean="0"/>
+              <a:t> </a:t>
+            </a:r>
             <a:endParaRPr lang="en-US" dirty="0"/>
           </a:p>
         </p:txBody>
@@ -968,7 +1004,7 @@
           <a:p>
             <a:fld id="{08FA020E-B5B7-4F69-A76A-98291E228208}" type="slidenum">
               <a:rPr lang="en-US" smtClean="0"/>
-              <a:t>13</a:t>
+              <a:t>12</a:t>
             </a:fld>
             <a:endParaRPr lang="en-US"/>
           </a:p>
@@ -1052,7 +1088,7 @@
           <a:p>
             <a:fld id="{08FA020E-B5B7-4F69-A76A-98291E228208}" type="slidenum">
               <a:rPr lang="en-US" smtClean="0"/>
-              <a:t>14</a:t>
+              <a:t>13</a:t>
             </a:fld>
             <a:endParaRPr lang="en-US"/>
           </a:p>
@@ -1136,7 +1172,7 @@
           <a:p>
             <a:fld id="{08FA020E-B5B7-4F69-A76A-98291E228208}" type="slidenum">
               <a:rPr lang="en-US" smtClean="0"/>
-              <a:t>15</a:t>
+              <a:t>14</a:t>
             </a:fld>
             <a:endParaRPr lang="en-US"/>
           </a:p>
@@ -1220,7 +1256,7 @@
           <a:p>
             <a:fld id="{08FA020E-B5B7-4F69-A76A-98291E228208}" type="slidenum">
               <a:rPr lang="en-US" smtClean="0"/>
-              <a:t>16</a:t>
+              <a:t>15</a:t>
             </a:fld>
             <a:endParaRPr lang="en-US"/>
           </a:p>
@@ -1304,7 +1340,7 @@
           <a:p>
             <a:fld id="{08FA020E-B5B7-4F69-A76A-98291E228208}" type="slidenum">
               <a:rPr lang="en-US" smtClean="0"/>
-              <a:t>17</a:t>
+              <a:t>16</a:t>
             </a:fld>
             <a:endParaRPr lang="en-US"/>
           </a:p>
@@ -1388,7 +1424,7 @@
           <a:p>
             <a:fld id="{08FA020E-B5B7-4F69-A76A-98291E228208}" type="slidenum">
               <a:rPr lang="en-US" smtClean="0"/>
-              <a:t>18</a:t>
+              <a:t>17</a:t>
             </a:fld>
             <a:endParaRPr lang="en-US"/>
           </a:p>
@@ -1472,7 +1508,7 @@
           <a:p>
             <a:fld id="{08FA020E-B5B7-4F69-A76A-98291E228208}" type="slidenum">
               <a:rPr lang="en-US" smtClean="0"/>
-              <a:t>19</a:t>
+              <a:t>18</a:t>
             </a:fld>
             <a:endParaRPr lang="en-US"/>
           </a:p>
@@ -1556,7 +1592,7 @@
           <a:p>
             <a:fld id="{08FA020E-B5B7-4F69-A76A-98291E228208}" type="slidenum">
               <a:rPr lang="en-US" smtClean="0"/>
-              <a:t>20</a:t>
+              <a:t>19</a:t>
             </a:fld>
             <a:endParaRPr lang="en-US"/>
           </a:p>
@@ -1619,6 +1655,14 @@
           <a:bodyPr/>
           <a:lstStyle/>
           <a:p>
+            <a:r>
+              <a:rPr lang="en-US" dirty="0" smtClean="0"/>
+              <a:t>Let</a:t>
+            </a:r>
+            <a:r>
+              <a:rPr lang="en-US" baseline="0" dirty="0" smtClean="0"/>
+              <a:t> me introduce myself a little bit. I received my PhD degree in Materials Science and Engineering in 2011. My PhD study involves data-driven design of materials and experimental validation, that is when I become interested in the statistics. Currently I am working with Capital One Home Loan department in the Dallas area. Right now I am a principal data analyst to support loan origination, customer experience and compliance. In my daily work I dealt with a lot of structured data from the database. On the same time we also have a lot of unstructured data, like customer views and loan processing notes. How to utilize these data efficiently, that is the reason I am interested in text mining and want to do further study in this area. </a:t>
+            </a:r>
             <a:endParaRPr lang="en-US" dirty="0"/>
           </a:p>
         </p:txBody>
@@ -1640,7 +1684,7 @@
           <a:p>
             <a:fld id="{08FA020E-B5B7-4F69-A76A-98291E228208}" type="slidenum">
               <a:rPr lang="en-US" smtClean="0"/>
-              <a:t>3</a:t>
+              <a:t>2</a:t>
             </a:fld>
             <a:endParaRPr lang="en-US"/>
           </a:p>
@@ -1724,7 +1768,7 @@
           <a:p>
             <a:fld id="{08FA020E-B5B7-4F69-A76A-98291E228208}" type="slidenum">
               <a:rPr lang="en-US" smtClean="0"/>
-              <a:t>21</a:t>
+              <a:t>20</a:t>
             </a:fld>
             <a:endParaRPr lang="en-US"/>
           </a:p>
@@ -1808,7 +1852,7 @@
           <a:p>
             <a:fld id="{08FA020E-B5B7-4F69-A76A-98291E228208}" type="slidenum">
               <a:rPr lang="en-US" smtClean="0"/>
-              <a:t>22</a:t>
+              <a:t>21</a:t>
             </a:fld>
             <a:endParaRPr lang="en-US"/>
           </a:p>
@@ -1892,7 +1936,7 @@
           <a:p>
             <a:fld id="{08FA020E-B5B7-4F69-A76A-98291E228208}" type="slidenum">
               <a:rPr lang="en-US" smtClean="0"/>
-              <a:t>23</a:t>
+              <a:t>22</a:t>
             </a:fld>
             <a:endParaRPr lang="en-US"/>
           </a:p>
@@ -1976,7 +2020,7 @@
           <a:p>
             <a:fld id="{08FA020E-B5B7-4F69-A76A-98291E228208}" type="slidenum">
               <a:rPr lang="en-US" smtClean="0"/>
-              <a:t>24</a:t>
+              <a:t>23</a:t>
             </a:fld>
             <a:endParaRPr lang="en-US"/>
           </a:p>
@@ -2060,7 +2104,7 @@
           <a:p>
             <a:fld id="{08FA020E-B5B7-4F69-A76A-98291E228208}" type="slidenum">
               <a:rPr lang="en-US" smtClean="0"/>
-              <a:t>25</a:t>
+              <a:t>24</a:t>
             </a:fld>
             <a:endParaRPr lang="en-US"/>
           </a:p>
@@ -2144,7 +2188,7 @@
           <a:p>
             <a:fld id="{08FA020E-B5B7-4F69-A76A-98291E228208}" type="slidenum">
               <a:rPr lang="en-US" smtClean="0"/>
-              <a:t>26</a:t>
+              <a:t>25</a:t>
             </a:fld>
             <a:endParaRPr lang="en-US"/>
           </a:p>
@@ -2228,7 +2272,7 @@
           <a:p>
             <a:fld id="{08FA020E-B5B7-4F69-A76A-98291E228208}" type="slidenum">
               <a:rPr lang="en-US" smtClean="0"/>
-              <a:t>27</a:t>
+              <a:t>26</a:t>
             </a:fld>
             <a:endParaRPr lang="en-US"/>
           </a:p>
@@ -2312,7 +2356,7 @@
           <a:p>
             <a:fld id="{08FA020E-B5B7-4F69-A76A-98291E228208}" type="slidenum">
               <a:rPr lang="en-US" smtClean="0"/>
-              <a:t>28</a:t>
+              <a:t>27</a:t>
             </a:fld>
             <a:endParaRPr lang="en-US"/>
           </a:p>
@@ -2396,7 +2440,7 @@
           <a:p>
             <a:fld id="{08FA020E-B5B7-4F69-A76A-98291E228208}" type="slidenum">
               <a:rPr lang="en-US" smtClean="0"/>
-              <a:t>29</a:t>
+              <a:t>28</a:t>
             </a:fld>
             <a:endParaRPr lang="en-US"/>
           </a:p>
@@ -2480,7 +2524,7 @@
           <a:p>
             <a:fld id="{08FA020E-B5B7-4F69-A76A-98291E228208}" type="slidenum">
               <a:rPr lang="en-US" smtClean="0"/>
-              <a:t>30</a:t>
+              <a:t>29</a:t>
             </a:fld>
             <a:endParaRPr lang="en-US"/>
           </a:p>
@@ -2564,7 +2608,7 @@
           <a:p>
             <a:fld id="{08FA020E-B5B7-4F69-A76A-98291E228208}" type="slidenum">
               <a:rPr lang="en-US" smtClean="0"/>
-              <a:t>4</a:t>
+              <a:t>3</a:t>
             </a:fld>
             <a:endParaRPr lang="en-US"/>
           </a:p>
@@ -2648,7 +2692,7 @@
           <a:p>
             <a:fld id="{08FA020E-B5B7-4F69-A76A-98291E228208}" type="slidenum">
               <a:rPr lang="en-US" smtClean="0"/>
-              <a:t>31</a:t>
+              <a:t>30</a:t>
             </a:fld>
             <a:endParaRPr lang="en-US"/>
           </a:p>
@@ -2732,6 +2776,90 @@
           <a:p>
             <a:fld id="{08FA020E-B5B7-4F69-A76A-98291E228208}" type="slidenum">
               <a:rPr lang="en-US" smtClean="0"/>
+              <a:t>31</a:t>
+            </a:fld>
+            <a:endParaRPr lang="en-US"/>
+          </a:p>
+        </p:txBody>
+      </p:sp>
+    </p:spTree>
+    <p:extLst>
+      <p:ext uri="{BB962C8B-B14F-4D97-AF65-F5344CB8AC3E}">
+        <p14:creationId xmlns:p14="http://schemas.microsoft.com/office/powerpoint/2010/main" val="391962599"/>
+      </p:ext>
+    </p:extLst>
+  </p:cSld>
+  <p:clrMapOvr>
+    <a:masterClrMapping/>
+  </p:clrMapOvr>
+</p:notes>
+</file>
+
+<file path=ppt/notesSlides/notesSlide32.xml><?xml version="1.0" encoding="utf-8"?>
+<p:notes xmlns:a="http://schemas.openxmlformats.org/drawingml/2006/main" xmlns:r="http://schemas.openxmlformats.org/officeDocument/2006/relationships" xmlns:p="http://schemas.openxmlformats.org/presentationml/2006/main">
+  <p:cSld>
+    <p:spTree>
+      <p:nvGrpSpPr>
+        <p:cNvPr id="1" name=""/>
+        <p:cNvGrpSpPr/>
+        <p:nvPr/>
+      </p:nvGrpSpPr>
+      <p:grpSpPr>
+        <a:xfrm>
+          <a:off x="0" y="0"/>
+          <a:ext cx="0" cy="0"/>
+          <a:chOff x="0" y="0"/>
+          <a:chExt cx="0" cy="0"/>
+        </a:xfrm>
+      </p:grpSpPr>
+      <p:sp>
+        <p:nvSpPr>
+          <p:cNvPr id="2" name="Slide Image Placeholder 1"/>
+          <p:cNvSpPr>
+            <a:spLocks noGrp="1" noRot="1" noChangeAspect="1"/>
+          </p:cNvSpPr>
+          <p:nvPr>
+            <p:ph type="sldImg"/>
+          </p:nvPr>
+        </p:nvSpPr>
+        <p:spPr/>
+      </p:sp>
+      <p:sp>
+        <p:nvSpPr>
+          <p:cNvPr id="3" name="Notes Placeholder 2"/>
+          <p:cNvSpPr>
+            <a:spLocks noGrp="1"/>
+          </p:cNvSpPr>
+          <p:nvPr>
+            <p:ph type="body" idx="1"/>
+          </p:nvPr>
+        </p:nvSpPr>
+        <p:spPr/>
+        <p:txBody>
+          <a:bodyPr/>
+          <a:lstStyle/>
+          <a:p>
+            <a:endParaRPr lang="en-US" dirty="0"/>
+          </a:p>
+        </p:txBody>
+      </p:sp>
+      <p:sp>
+        <p:nvSpPr>
+          <p:cNvPr id="4" name="Slide Number Placeholder 3"/>
+          <p:cNvSpPr>
+            <a:spLocks noGrp="1"/>
+          </p:cNvSpPr>
+          <p:nvPr>
+            <p:ph type="sldNum" sz="quarter" idx="10"/>
+          </p:nvPr>
+        </p:nvSpPr>
+        <p:spPr/>
+        <p:txBody>
+          <a:bodyPr/>
+          <a:lstStyle/>
+          <a:p>
+            <a:fld id="{08FA020E-B5B7-4F69-A76A-98291E228208}" type="slidenum">
+              <a:rPr lang="en-US" smtClean="0"/>
               <a:t>32</a:t>
             </a:fld>
             <a:endParaRPr lang="en-US"/>
@@ -2816,7 +2944,7 @@
           <a:p>
             <a:fld id="{08FA020E-B5B7-4F69-A76A-98291E228208}" type="slidenum">
               <a:rPr lang="en-US" smtClean="0"/>
-              <a:t>5</a:t>
+              <a:t>4</a:t>
             </a:fld>
             <a:endParaRPr lang="en-US"/>
           </a:p>
@@ -2879,6 +3007,20 @@
           <a:bodyPr/>
           <a:lstStyle/>
           <a:p>
+            <a:r>
+              <a:rPr lang="en-US" dirty="0" smtClean="0"/>
+              <a:t>Today we can find</a:t>
+            </a:r>
+            <a:r>
+              <a:rPr lang="en-US" baseline="0" dirty="0" smtClean="0"/>
+              <a:t> lots of review website on the internet. For example, the Yelp review for restaurant and foods, trip advisor for attractions and hotels, IMDB for the movie and TV drama, and almost all the online shopping site allow previous customers to leave reviews. Compared to traditional review magazine, the online customer review </a:t>
+            </a:r>
+            <a:r>
+              <a:rPr lang="en-US" sz="1200" dirty="0" smtClean="0">
+                <a:latin typeface="+mn-lt"/>
+              </a:rPr>
+              <a:t>provide much larger review coverage and convenient access for potential customers</a:t>
+            </a:r>
             <a:endParaRPr lang="en-US" dirty="0"/>
           </a:p>
         </p:txBody>
@@ -2900,7 +3042,7 @@
           <a:p>
             <a:fld id="{08FA020E-B5B7-4F69-A76A-98291E228208}" type="slidenum">
               <a:rPr lang="en-US" smtClean="0"/>
-              <a:t>6</a:t>
+              <a:t>5</a:t>
             </a:fld>
             <a:endParaRPr lang="en-US"/>
           </a:p>
@@ -2963,6 +3105,118 @@
           <a:bodyPr/>
           <a:lstStyle/>
           <a:p>
+            <a:pPr marL="0" marR="0" indent="0" algn="l" defTabSz="914400" rtl="0" eaLnBrk="1" fontAlgn="auto" latinLnBrk="0" hangingPunct="1">
+              <a:lnSpc>
+                <a:spcPct val="100000"/>
+              </a:lnSpc>
+              <a:spcBef>
+                <a:spcPts val="0"/>
+              </a:spcBef>
+              <a:spcAft>
+                <a:spcPts val="0"/>
+              </a:spcAft>
+              <a:buClrTx/>
+              <a:buSzTx/>
+              <a:buFontTx/>
+              <a:buNone/>
+              <a:tabLst/>
+              <a:defRPr/>
+            </a:pPr>
+            <a:r>
+              <a:rPr lang="en-US" dirty="0" smtClean="0"/>
+              <a:t>On the</a:t>
+            </a:r>
+            <a:r>
+              <a:rPr lang="en-US" baseline="0" dirty="0" smtClean="0"/>
+              <a:t> other hand, </a:t>
+            </a:r>
+            <a:r>
+              <a:rPr lang="en-US" sz="1200" dirty="0" smtClean="0"/>
+              <a:t>Online customer reviews have tremendous impacts on the customer</a:t>
+            </a:r>
+            <a:r>
+              <a:rPr lang="en-US" sz="1200" baseline="0" dirty="0" smtClean="0"/>
+              <a:t> behavior and then the</a:t>
+            </a:r>
+            <a:r>
+              <a:rPr lang="en-US" sz="1200" dirty="0" smtClean="0"/>
+              <a:t> reputation and revenue of products and local businesses. According to a recent</a:t>
+            </a:r>
+            <a:r>
+              <a:rPr lang="en-US" sz="1200" baseline="0" dirty="0" smtClean="0"/>
+              <a:t> survey, 38% of Yelp user frequently made purchase after their Yelp visit. </a:t>
+            </a:r>
+            <a:r>
+              <a:rPr lang="en-US" sz="1200" dirty="0" smtClean="0"/>
+              <a:t>San Francisco metropolitan area,   a Yelp rating increase from </a:t>
+            </a:r>
+            <a:r>
+              <a:rPr lang="en-US" sz="1200" b="1" dirty="0" smtClean="0">
+                <a:solidFill>
+                  <a:srgbClr val="FF0000"/>
+                </a:solidFill>
+              </a:rPr>
+              <a:t>3.5 to 4 </a:t>
+            </a:r>
+            <a:r>
+              <a:rPr lang="en-US" sz="1200" dirty="0" smtClean="0"/>
+              <a:t>can cause restaurants to sell out table reservations </a:t>
+            </a:r>
+            <a:r>
+              <a:rPr lang="en-US" sz="1200" b="1" dirty="0" smtClean="0">
+                <a:solidFill>
+                  <a:srgbClr val="FF0000"/>
+                </a:solidFill>
+              </a:rPr>
+              <a:t>19%</a:t>
+            </a:r>
+            <a:r>
+              <a:rPr lang="en-US" sz="1200" dirty="0" smtClean="0"/>
+              <a:t> more frequently; Another study in the Seattle area found that  a one-star increase in Yelp rating leads to a </a:t>
+            </a:r>
+            <a:r>
+              <a:rPr lang="en-US" sz="1200" b="1" dirty="0" smtClean="0">
+                <a:solidFill>
+                  <a:srgbClr val="FF0000"/>
+                </a:solidFill>
+              </a:rPr>
+              <a:t>5 to 9 percent increase </a:t>
+            </a:r>
+            <a:r>
+              <a:rPr lang="en-US" sz="1200" dirty="0" smtClean="0"/>
+              <a:t>in revenue for non-chain  restaurants  and an increasing Yelp coverage to the local market actually can cause a market share decline for the chain restaurants;</a:t>
+            </a:r>
+            <a:endParaRPr lang="en-US" sz="1200" baseline="0" dirty="0" smtClean="0"/>
+          </a:p>
+          <a:p>
+            <a:r>
+              <a:rPr lang="en-US" sz="1200" baseline="0" dirty="0" smtClean="0"/>
+              <a:t>Therefore how to analyze the customer reviews and make corresponding improvement is very important to a customer centric business. </a:t>
+            </a:r>
+            <a:r>
+              <a:rPr lang="en-US" sz="1200" kern="1200" dirty="0" smtClean="0">
+                <a:solidFill>
+                  <a:schemeClr val="tx1"/>
+                </a:solidFill>
+                <a:effectLst/>
+                <a:latin typeface="+mn-lt"/>
+                <a:ea typeface="+mn-ea"/>
+                <a:cs typeface="+mn-cs"/>
+              </a:rPr>
+              <a:t>However, the traditional human review evaluation process is labor intensive and time-consuming</a:t>
+            </a:r>
+            <a:r>
+              <a:rPr lang="en-US" sz="1200" kern="1200" baseline="0" dirty="0" smtClean="0">
+                <a:solidFill>
+                  <a:schemeClr val="tx1"/>
+                </a:solidFill>
+                <a:effectLst/>
+                <a:latin typeface="+mn-lt"/>
+                <a:ea typeface="+mn-ea"/>
+                <a:cs typeface="+mn-cs"/>
+              </a:rPr>
+              <a:t> when the reviews volume is huge and updates frequently. That is the reason we want to use text mining technology to automatically analyze reviews (4.30mins)</a:t>
+            </a:r>
             <a:endParaRPr lang="en-US" dirty="0"/>
           </a:p>
         </p:txBody>
@@ -2984,7 +3238,7 @@
           <a:p>
             <a:fld id="{08FA020E-B5B7-4F69-A76A-98291E228208}" type="slidenum">
               <a:rPr lang="en-US" smtClean="0"/>
-              <a:t>7</a:t>
+              <a:t>6</a:t>
             </a:fld>
             <a:endParaRPr lang="en-US"/>
           </a:p>
@@ -3068,7 +3322,7 @@
           <a:p>
             <a:fld id="{08FA020E-B5B7-4F69-A76A-98291E228208}" type="slidenum">
               <a:rPr lang="en-US" smtClean="0"/>
-              <a:t>8</a:t>
+              <a:t>7</a:t>
             </a:fld>
             <a:endParaRPr lang="en-US"/>
           </a:p>
@@ -3131,7 +3385,27 @@
           <a:bodyPr/>
           <a:lstStyle/>
           <a:p>
-            <a:endParaRPr lang="en-US" dirty="0"/>
+            <a:r>
+              <a:rPr lang="en-US" sz="1200" kern="1200" dirty="0" smtClean="0">
+                <a:solidFill>
+                  <a:schemeClr val="tx1"/>
+                </a:solidFill>
+                <a:effectLst/>
+                <a:latin typeface="+mn-lt"/>
+                <a:ea typeface="+mn-ea"/>
+                <a:cs typeface="+mn-cs"/>
+              </a:rPr>
+              <a:t>The subjects of language processing and text mining are different levels of texts. The basic level is character, punctuation and words, which form a written representation of thoughts, a document. A document could consist of sentences, paragraphs and chapters. In the current study, one customer’s review is one document, which could have multiple sentences or paragraphs. The term corpus or text corpus is used to describe a large collection of documents [3], which could be a collection of reviews for a particular restaurant or reviews of many restaurants across US. The collection of unique words in a corpus forms a dictionary. </a:t>
+            </a:r>
+            <a:endParaRPr lang="en-US" sz="1200" kern="1200" dirty="0">
+              <a:solidFill>
+                <a:schemeClr val="tx1"/>
+              </a:solidFill>
+              <a:effectLst/>
+              <a:latin typeface="+mn-lt"/>
+              <a:ea typeface="+mn-ea"/>
+              <a:cs typeface="+mn-cs"/>
+            </a:endParaRPr>
           </a:p>
         </p:txBody>
       </p:sp>
@@ -3152,7 +3426,7 @@
           <a:p>
             <a:fld id="{08FA020E-B5B7-4F69-A76A-98291E228208}" type="slidenum">
               <a:rPr lang="en-US" smtClean="0"/>
-              <a:t>9</a:t>
+              <a:t>8</a:t>
             </a:fld>
             <a:endParaRPr lang="en-US"/>
           </a:p>
@@ -3215,6 +3489,14 @@
           <a:bodyPr/>
           <a:lstStyle/>
           <a:p>
+            <a:r>
+              <a:rPr lang="en-US" dirty="0" smtClean="0"/>
+              <a:t>In text</a:t>
+            </a:r>
+            <a:r>
+              <a:rPr lang="en-US" baseline="0" dirty="0" smtClean="0"/>
+              <a:t> mining, the text is represented as a bag of words. For example, this review can be </a:t>
+            </a:r>
             <a:endParaRPr lang="en-US" dirty="0"/>
           </a:p>
         </p:txBody>
@@ -3236,7 +3518,7 @@
           <a:p>
             <a:fld id="{08FA020E-B5B7-4F69-A76A-98291E228208}" type="slidenum">
               <a:rPr lang="en-US" smtClean="0"/>
-              <a:t>10</a:t>
+              <a:t>9</a:t>
             </a:fld>
             <a:endParaRPr lang="en-US"/>
           </a:p>
@@ -3436,7 +3718,7 @@
           <a:p>
             <a:fld id="{DE406F0E-9E30-4802-A5D3-03AF98DB94DA}" type="datetime1">
               <a:rPr lang="en-US" smtClean="0"/>
-              <a:t>4/8/2017</a:t>
+              <a:t>4/10/2017</a:t>
             </a:fld>
             <a:endParaRPr lang="en-US"/>
           </a:p>
@@ -3607,7 +3889,7 @@
           <a:p>
             <a:fld id="{E420B3FF-7B89-4AF9-9365-B9A25E31694F}" type="datetime1">
               <a:rPr lang="en-US" smtClean="0"/>
-              <a:t>4/8/2017</a:t>
+              <a:t>4/10/2017</a:t>
             </a:fld>
             <a:endParaRPr lang="en-US"/>
           </a:p>
@@ -3788,7 +4070,7 @@
           <a:p>
             <a:fld id="{CB092529-FD87-4D37-BFB0-874800F6569C}" type="datetime1">
               <a:rPr lang="en-US" smtClean="0"/>
-              <a:t>4/8/2017</a:t>
+              <a:t>4/10/2017</a:t>
             </a:fld>
             <a:endParaRPr lang="en-US"/>
           </a:p>
@@ -3959,7 +4241,7 @@
           <a:p>
             <a:fld id="{4D85AE45-EA29-4CEC-83CB-BEB1C302F228}" type="datetime1">
               <a:rPr lang="en-US" smtClean="0"/>
-              <a:t>4/8/2017</a:t>
+              <a:t>4/10/2017</a:t>
             </a:fld>
             <a:endParaRPr lang="en-US"/>
           </a:p>
@@ -4206,7 +4488,7 @@
           <a:p>
             <a:fld id="{103BB95C-379A-4502-8D1D-835F05CFF28D}" type="datetime1">
               <a:rPr lang="en-US" smtClean="0"/>
-              <a:t>4/8/2017</a:t>
+              <a:t>4/10/2017</a:t>
             </a:fld>
             <a:endParaRPr lang="en-US"/>
           </a:p>
@@ -4495,7 +4777,7 @@
           <a:p>
             <a:fld id="{43C0F67D-3FDA-41E2-9F6F-DA62695D3E09}" type="datetime1">
               <a:rPr lang="en-US" smtClean="0"/>
-              <a:t>4/8/2017</a:t>
+              <a:t>4/10/2017</a:t>
             </a:fld>
             <a:endParaRPr lang="en-US"/>
           </a:p>
@@ -4918,7 +5200,7 @@
           <a:p>
             <a:fld id="{C0233DBD-B1F0-4DB0-A1F5-E8837EDA4073}" type="datetime1">
               <a:rPr lang="en-US" smtClean="0"/>
-              <a:t>4/8/2017</a:t>
+              <a:t>4/10/2017</a:t>
             </a:fld>
             <a:endParaRPr lang="en-US"/>
           </a:p>
@@ -5037,7 +5319,7 @@
           <a:p>
             <a:fld id="{FCC843C0-0C9C-48AA-A18D-101D9FC4D10A}" type="datetime1">
               <a:rPr lang="en-US" smtClean="0"/>
-              <a:t>4/8/2017</a:t>
+              <a:t>4/10/2017</a:t>
             </a:fld>
             <a:endParaRPr lang="en-US"/>
           </a:p>
@@ -5133,7 +5415,7 @@
           <a:p>
             <a:fld id="{F7815BC3-AA06-429F-AED6-8BD6F7B7B1CF}" type="datetime1">
               <a:rPr lang="en-US" smtClean="0"/>
-              <a:t>4/8/2017</a:t>
+              <a:t>4/10/2017</a:t>
             </a:fld>
             <a:endParaRPr lang="en-US"/>
           </a:p>
@@ -5411,7 +5693,7 @@
           <a:p>
             <a:fld id="{E15FAB0D-3EB4-4528-823A-34C6F327B1D5}" type="datetime1">
               <a:rPr lang="en-US" smtClean="0"/>
-              <a:t>4/8/2017</a:t>
+              <a:t>4/10/2017</a:t>
             </a:fld>
             <a:endParaRPr lang="en-US"/>
           </a:p>
@@ -5665,7 +5947,7 @@
           <a:p>
             <a:fld id="{8EE4C658-E00B-4672-AB80-C21F973FB1A8}" type="datetime1">
               <a:rPr lang="en-US" smtClean="0"/>
-              <a:t>4/8/2017</a:t>
+              <a:t>4/10/2017</a:t>
             </a:fld>
             <a:endParaRPr lang="en-US"/>
           </a:p>
@@ -5879,7 +6161,7 @@
           <a:p>
             <a:fld id="{79045AF7-34A3-45E5-AE4B-878BBB091DAF}" type="datetime1">
               <a:rPr lang="en-US" smtClean="0"/>
-              <a:t>4/8/2017</a:t>
+              <a:t>4/10/2017</a:t>
             </a:fld>
             <a:endParaRPr lang="en-US"/>
           </a:p>
@@ -6265,7 +6547,7 @@
           <p:nvPr/>
         </p:nvPicPr>
         <p:blipFill>
-          <a:blip r:embed="rId2">
+          <a:blip r:embed="rId3">
             <a:extLst>
               <a:ext uri="{28A0092B-C50C-407E-A947-70E740481C1C}">
                 <a14:useLocalDpi xmlns:a14="http://schemas.microsoft.com/office/drawing/2010/main" val="0"/>
@@ -15876,15 +16158,7 @@
           <a:p>
             <a:r>
               <a:rPr lang="en-US" sz="2400" dirty="0" smtClean="0"/>
-              <a:t>Widely used, </a:t>
-            </a:r>
-            <a:r>
-              <a:rPr lang="en-US" sz="2400" dirty="0" smtClean="0"/>
-              <a:t>introduced </a:t>
-            </a:r>
-            <a:r>
-              <a:rPr lang="en-US" sz="2400" dirty="0" smtClean="0"/>
-              <a:t>in 2003</a:t>
+              <a:t>Widely used, introduced in 2003</a:t>
             </a:r>
           </a:p>
           <a:p>
@@ -23199,8 +23473,8 @@
           </p:sp>
         </mc:Fallback>
       </mc:AlternateContent>
-      <mc:AlternateContent xmlns:mc="http://schemas.openxmlformats.org/markup-compatibility/2006">
-        <mc:Choice xmlns:a14="http://schemas.microsoft.com/office/drawing/2010/main" Requires="a14">
+      <mc:AlternateContent xmlns:mc="http://schemas.openxmlformats.org/markup-compatibility/2006" xmlns:a14="http://schemas.microsoft.com/office/drawing/2010/main">
+        <mc:Choice Requires="a14">
           <p:sp>
             <p:nvSpPr>
               <p:cNvPr id="11" name="Rectangle 10"/>
@@ -23763,7 +24037,7 @@
             </p:txBody>
           </p:sp>
         </mc:Choice>
-        <mc:Fallback>
+        <mc:Fallback xmlns="">
           <p:sp>
             <p:nvSpPr>
               <p:cNvPr id="11" name="Rectangle 10"/>
@@ -25360,7 +25634,15 @@
           <a:p>
             <a:r>
               <a:rPr lang="en-US" sz="2400" dirty="0" smtClean="0"/>
-              <a:t>ISU PhD in Engineering in 2011</a:t>
+              <a:t>ISU PhD in </a:t>
+            </a:r>
+            <a:r>
+              <a:rPr lang="en-US" sz="2400" dirty="0" smtClean="0"/>
+              <a:t>Materials Science and Engineering </a:t>
+            </a:r>
+            <a:r>
+              <a:rPr lang="en-US" sz="2400" dirty="0" smtClean="0"/>
+              <a:t>in 2011</a:t>
             </a:r>
           </a:p>
           <a:p>
@@ -25372,7 +25654,6 @@
               <a:rPr lang="en-US" sz="2400" dirty="0" smtClean="0"/>
               <a:t>)</a:t>
             </a:r>
-            <a:endParaRPr lang="en-US" sz="2400" dirty="0" smtClean="0"/>
           </a:p>
           <a:p>
             <a:r>
@@ -39783,40 +40064,17 @@
           <a:p>
             <a:r>
               <a:rPr lang="en-US" sz="2400" dirty="0" smtClean="0"/>
-              <a:t>Background of Text </a:t>
+              <a:t>Background of Text Mining</a:t>
+            </a:r>
+          </a:p>
+          <a:p>
+            <a:r>
+              <a:rPr lang="en-US" sz="2400" dirty="0" smtClean="0"/>
+              <a:t>Data </a:t>
             </a:r>
             <a:r>
               <a:rPr lang="en-US" sz="2400" dirty="0" smtClean="0"/>
-              <a:t>Mining</a:t>
-            </a:r>
-          </a:p>
-          <a:p>
-            <a:pPr lvl="1"/>
-            <a:r>
-              <a:rPr lang="en-US" sz="2000" smtClean="0"/>
-              <a:t>Text Representation</a:t>
-            </a:r>
-            <a:endParaRPr lang="en-US" sz="2000" dirty="0" smtClean="0"/>
-          </a:p>
-          <a:p>
-            <a:pPr lvl="1"/>
-            <a:r>
-              <a:rPr lang="en-US" sz="2000" dirty="0" smtClean="0"/>
-              <a:t>Topic Modeling</a:t>
-            </a:r>
-          </a:p>
-          <a:p>
-            <a:pPr lvl="1"/>
-            <a:r>
-              <a:rPr lang="en-US" sz="2000" dirty="0" smtClean="0"/>
-              <a:t>Sentimental Analysis</a:t>
-            </a:r>
-            <a:endParaRPr lang="en-US" sz="2000" dirty="0" smtClean="0"/>
-          </a:p>
-          <a:p>
-            <a:r>
-              <a:rPr lang="en-US" sz="2400" dirty="0" smtClean="0"/>
-              <a:t>Data Description</a:t>
+              <a:t>Description</a:t>
             </a:r>
           </a:p>
           <a:p>
@@ -44944,7 +45202,372 @@
   <p:timing>
     <p:tnLst>
       <p:par>
-        <p:cTn id="1" dur="indefinite" restart="never" nodeType="tmRoot"/>
+        <p:cTn id="1" dur="indefinite" restart="never" nodeType="tmRoot">
+          <p:childTnLst>
+            <p:seq concurrent="1" nextAc="seek">
+              <p:cTn id="2" dur="indefinite" nodeType="mainSeq">
+                <p:childTnLst>
+                  <p:par>
+                    <p:cTn id="3" fill="hold">
+                      <p:stCondLst>
+                        <p:cond delay="indefinite"/>
+                      </p:stCondLst>
+                      <p:childTnLst>
+                        <p:par>
+                          <p:cTn id="4" fill="hold">
+                            <p:stCondLst>
+                              <p:cond delay="0"/>
+                            </p:stCondLst>
+                            <p:childTnLst>
+                              <p:par>
+                                <p:cTn id="5" presetID="1" presetClass="entr" presetSubtype="0" fill="hold" nodeType="clickEffect">
+                                  <p:stCondLst>
+                                    <p:cond delay="0"/>
+                                  </p:stCondLst>
+                                  <p:childTnLst>
+                                    <p:set>
+                                      <p:cBhvr>
+                                        <p:cTn id="6" dur="1" fill="hold">
+                                          <p:stCondLst>
+                                            <p:cond delay="0"/>
+                                          </p:stCondLst>
+                                        </p:cTn>
+                                        <p:tgtEl>
+                                          <p:spTgt spid="1031"/>
+                                        </p:tgtEl>
+                                        <p:attrNameLst>
+                                          <p:attrName>style.visibility</p:attrName>
+                                        </p:attrNameLst>
+                                      </p:cBhvr>
+                                      <p:to>
+                                        <p:strVal val="visible"/>
+                                      </p:to>
+                                    </p:set>
+                                  </p:childTnLst>
+                                </p:cTn>
+                              </p:par>
+                              <p:par>
+                                <p:cTn id="7" presetID="1" presetClass="entr" presetSubtype="0" fill="hold" nodeType="withEffect">
+                                  <p:stCondLst>
+                                    <p:cond delay="0"/>
+                                  </p:stCondLst>
+                                  <p:childTnLst>
+                                    <p:set>
+                                      <p:cBhvr>
+                                        <p:cTn id="8" dur="1" fill="hold">
+                                          <p:stCondLst>
+                                            <p:cond delay="0"/>
+                                          </p:stCondLst>
+                                        </p:cTn>
+                                        <p:tgtEl>
+                                          <p:spTgt spid="1029"/>
+                                        </p:tgtEl>
+                                        <p:attrNameLst>
+                                          <p:attrName>style.visibility</p:attrName>
+                                        </p:attrNameLst>
+                                      </p:cBhvr>
+                                      <p:to>
+                                        <p:strVal val="visible"/>
+                                      </p:to>
+                                    </p:set>
+                                  </p:childTnLst>
+                                </p:cTn>
+                              </p:par>
+                            </p:childTnLst>
+                          </p:cTn>
+                        </p:par>
+                      </p:childTnLst>
+                    </p:cTn>
+                  </p:par>
+                  <p:par>
+                    <p:cTn id="9" fill="hold">
+                      <p:stCondLst>
+                        <p:cond delay="indefinite"/>
+                      </p:stCondLst>
+                      <p:childTnLst>
+                        <p:par>
+                          <p:cTn id="10" fill="hold">
+                            <p:stCondLst>
+                              <p:cond delay="0"/>
+                            </p:stCondLst>
+                            <p:childTnLst>
+                              <p:par>
+                                <p:cTn id="11" presetID="1" presetClass="entr" presetSubtype="0" fill="hold" nodeType="clickEffect">
+                                  <p:stCondLst>
+                                    <p:cond delay="0"/>
+                                  </p:stCondLst>
+                                  <p:childTnLst>
+                                    <p:set>
+                                      <p:cBhvr>
+                                        <p:cTn id="12" dur="1" fill="hold">
+                                          <p:stCondLst>
+                                            <p:cond delay="0"/>
+                                          </p:stCondLst>
+                                        </p:cTn>
+                                        <p:tgtEl>
+                                          <p:spTgt spid="1033"/>
+                                        </p:tgtEl>
+                                        <p:attrNameLst>
+                                          <p:attrName>style.visibility</p:attrName>
+                                        </p:attrNameLst>
+                                      </p:cBhvr>
+                                      <p:to>
+                                        <p:strVal val="visible"/>
+                                      </p:to>
+                                    </p:set>
+                                  </p:childTnLst>
+                                </p:cTn>
+                              </p:par>
+                              <p:par>
+                                <p:cTn id="13" presetID="1" presetClass="entr" presetSubtype="0" fill="hold" nodeType="withEffect">
+                                  <p:stCondLst>
+                                    <p:cond delay="0"/>
+                                  </p:stCondLst>
+                                  <p:childTnLst>
+                                    <p:set>
+                                      <p:cBhvr>
+                                        <p:cTn id="14" dur="1" fill="hold">
+                                          <p:stCondLst>
+                                            <p:cond delay="0"/>
+                                          </p:stCondLst>
+                                        </p:cTn>
+                                        <p:tgtEl>
+                                          <p:spTgt spid="1032"/>
+                                        </p:tgtEl>
+                                        <p:attrNameLst>
+                                          <p:attrName>style.visibility</p:attrName>
+                                        </p:attrNameLst>
+                                      </p:cBhvr>
+                                      <p:to>
+                                        <p:strVal val="visible"/>
+                                      </p:to>
+                                    </p:set>
+                                  </p:childTnLst>
+                                </p:cTn>
+                              </p:par>
+                            </p:childTnLst>
+                          </p:cTn>
+                        </p:par>
+                      </p:childTnLst>
+                    </p:cTn>
+                  </p:par>
+                  <p:par>
+                    <p:cTn id="15" fill="hold">
+                      <p:stCondLst>
+                        <p:cond delay="indefinite"/>
+                      </p:stCondLst>
+                      <p:childTnLst>
+                        <p:par>
+                          <p:cTn id="16" fill="hold">
+                            <p:stCondLst>
+                              <p:cond delay="0"/>
+                            </p:stCondLst>
+                            <p:childTnLst>
+                              <p:par>
+                                <p:cTn id="17" presetID="1" presetClass="entr" presetSubtype="0" fill="hold" nodeType="clickEffect">
+                                  <p:stCondLst>
+                                    <p:cond delay="0"/>
+                                  </p:stCondLst>
+                                  <p:childTnLst>
+                                    <p:set>
+                                      <p:cBhvr>
+                                        <p:cTn id="18" dur="1" fill="hold">
+                                          <p:stCondLst>
+                                            <p:cond delay="0"/>
+                                          </p:stCondLst>
+                                        </p:cTn>
+                                        <p:tgtEl>
+                                          <p:spTgt spid="1035"/>
+                                        </p:tgtEl>
+                                        <p:attrNameLst>
+                                          <p:attrName>style.visibility</p:attrName>
+                                        </p:attrNameLst>
+                                      </p:cBhvr>
+                                      <p:to>
+                                        <p:strVal val="visible"/>
+                                      </p:to>
+                                    </p:set>
+                                  </p:childTnLst>
+                                </p:cTn>
+                              </p:par>
+                              <p:par>
+                                <p:cTn id="19" presetID="1" presetClass="entr" presetSubtype="0" fill="hold" nodeType="withEffect">
+                                  <p:stCondLst>
+                                    <p:cond delay="0"/>
+                                  </p:stCondLst>
+                                  <p:childTnLst>
+                                    <p:set>
+                                      <p:cBhvr>
+                                        <p:cTn id="20" dur="1" fill="hold">
+                                          <p:stCondLst>
+                                            <p:cond delay="0"/>
+                                          </p:stCondLst>
+                                        </p:cTn>
+                                        <p:tgtEl>
+                                          <p:spTgt spid="1036"/>
+                                        </p:tgtEl>
+                                        <p:attrNameLst>
+                                          <p:attrName>style.visibility</p:attrName>
+                                        </p:attrNameLst>
+                                      </p:cBhvr>
+                                      <p:to>
+                                        <p:strVal val="visible"/>
+                                      </p:to>
+                                    </p:set>
+                                  </p:childTnLst>
+                                </p:cTn>
+                              </p:par>
+                            </p:childTnLst>
+                          </p:cTn>
+                        </p:par>
+                      </p:childTnLst>
+                    </p:cTn>
+                  </p:par>
+                  <p:par>
+                    <p:cTn id="21" fill="hold">
+                      <p:stCondLst>
+                        <p:cond delay="indefinite"/>
+                      </p:stCondLst>
+                      <p:childTnLst>
+                        <p:par>
+                          <p:cTn id="22" fill="hold">
+                            <p:stCondLst>
+                              <p:cond delay="0"/>
+                            </p:stCondLst>
+                            <p:childTnLst>
+                              <p:par>
+                                <p:cTn id="23" presetID="1" presetClass="entr" presetSubtype="0" fill="hold" nodeType="clickEffect">
+                                  <p:stCondLst>
+                                    <p:cond delay="0"/>
+                                  </p:stCondLst>
+                                  <p:childTnLst>
+                                    <p:set>
+                                      <p:cBhvr>
+                                        <p:cTn id="24" dur="1" fill="hold">
+                                          <p:stCondLst>
+                                            <p:cond delay="0"/>
+                                          </p:stCondLst>
+                                        </p:cTn>
+                                        <p:tgtEl>
+                                          <p:spTgt spid="1037"/>
+                                        </p:tgtEl>
+                                        <p:attrNameLst>
+                                          <p:attrName>style.visibility</p:attrName>
+                                        </p:attrNameLst>
+                                      </p:cBhvr>
+                                      <p:to>
+                                        <p:strVal val="visible"/>
+                                      </p:to>
+                                    </p:set>
+                                  </p:childTnLst>
+                                </p:cTn>
+                              </p:par>
+                              <p:par>
+                                <p:cTn id="25" presetID="1" presetClass="entr" presetSubtype="0" fill="hold" nodeType="withEffect">
+                                  <p:stCondLst>
+                                    <p:cond delay="0"/>
+                                  </p:stCondLst>
+                                  <p:childTnLst>
+                                    <p:set>
+                                      <p:cBhvr>
+                                        <p:cTn id="26" dur="1" fill="hold">
+                                          <p:stCondLst>
+                                            <p:cond delay="0"/>
+                                          </p:stCondLst>
+                                        </p:cTn>
+                                        <p:tgtEl>
+                                          <p:spTgt spid="1039"/>
+                                        </p:tgtEl>
+                                        <p:attrNameLst>
+                                          <p:attrName>style.visibility</p:attrName>
+                                        </p:attrNameLst>
+                                      </p:cBhvr>
+                                      <p:to>
+                                        <p:strVal val="visible"/>
+                                      </p:to>
+                                    </p:set>
+                                  </p:childTnLst>
+                                </p:cTn>
+                              </p:par>
+                              <p:par>
+                                <p:cTn id="27" presetID="1" presetClass="entr" presetSubtype="0" fill="hold" nodeType="withEffect">
+                                  <p:stCondLst>
+                                    <p:cond delay="0"/>
+                                  </p:stCondLst>
+                                  <p:childTnLst>
+                                    <p:set>
+                                      <p:cBhvr>
+                                        <p:cTn id="28" dur="1" fill="hold">
+                                          <p:stCondLst>
+                                            <p:cond delay="0"/>
+                                          </p:stCondLst>
+                                        </p:cTn>
+                                        <p:tgtEl>
+                                          <p:spTgt spid="1040"/>
+                                        </p:tgtEl>
+                                        <p:attrNameLst>
+                                          <p:attrName>style.visibility</p:attrName>
+                                        </p:attrNameLst>
+                                      </p:cBhvr>
+                                      <p:to>
+                                        <p:strVal val="visible"/>
+                                      </p:to>
+                                    </p:set>
+                                  </p:childTnLst>
+                                </p:cTn>
+                              </p:par>
+                              <p:par>
+                                <p:cTn id="29" presetID="1" presetClass="entr" presetSubtype="0" fill="hold" nodeType="withEffect">
+                                  <p:stCondLst>
+                                    <p:cond delay="0"/>
+                                  </p:stCondLst>
+                                  <p:childTnLst>
+                                    <p:set>
+                                      <p:cBhvr>
+                                        <p:cTn id="30" dur="1" fill="hold">
+                                          <p:stCondLst>
+                                            <p:cond delay="0"/>
+                                          </p:stCondLst>
+                                        </p:cTn>
+                                        <p:tgtEl>
+                                          <p:spTgt spid="1038"/>
+                                        </p:tgtEl>
+                                        <p:attrNameLst>
+                                          <p:attrName>style.visibility</p:attrName>
+                                        </p:attrNameLst>
+                                      </p:cBhvr>
+                                      <p:to>
+                                        <p:strVal val="visible"/>
+                                      </p:to>
+                                    </p:set>
+                                  </p:childTnLst>
+                                </p:cTn>
+                              </p:par>
+                            </p:childTnLst>
+                          </p:cTn>
+                        </p:par>
+                      </p:childTnLst>
+                    </p:cTn>
+                  </p:par>
+                </p:childTnLst>
+              </p:cTn>
+              <p:prevCondLst>
+                <p:cond evt="onPrev" delay="0">
+                  <p:tgtEl>
+                    <p:sldTgt/>
+                  </p:tgtEl>
+                </p:cond>
+              </p:prevCondLst>
+              <p:nextCondLst>
+                <p:cond evt="onNext" delay="0">
+                  <p:tgtEl>
+                    <p:sldTgt/>
+                  </p:tgtEl>
+                </p:cond>
+              </p:nextCondLst>
+            </p:seq>
+          </p:childTnLst>
+        </p:cTn>
       </p:par>
     </p:tnLst>
   </p:timing>
@@ -45069,7 +45692,7 @@
         </p:nvSpPr>
         <p:spPr>
           <a:xfrm>
-            <a:off x="457200" y="3429000"/>
+            <a:off x="461513" y="3505200"/>
             <a:ext cx="8229600" cy="2316163"/>
           </a:xfrm>
         </p:spPr>
@@ -45085,7 +45708,15 @@
             </a:r>
             <a:r>
               <a:rPr lang="en-US" sz="1800" dirty="0"/>
-              <a:t>Francisco metropolitan area,   a rating increase from </a:t>
+              <a:t>Francisco metropolitan area,   a </a:t>
+            </a:r>
+            <a:r>
+              <a:rPr lang="en-US" sz="1800" dirty="0" smtClean="0"/>
+              <a:t>Yelp rating </a:t>
+            </a:r>
+            <a:r>
+              <a:rPr lang="en-US" sz="1800" dirty="0"/>
+              <a:t>increase from </a:t>
             </a:r>
             <a:r>
               <a:rPr lang="en-US" sz="1800" b="1" dirty="0">
@@ -45279,60 +45910,6 @@
           </a:p>
         </p:txBody>
       </p:sp>
-      <p:pic>
-        <p:nvPicPr>
-          <p:cNvPr id="2050" name="Picture 2"/>
-          <p:cNvPicPr>
-            <a:picLocks noChangeAspect="1" noChangeArrowheads="1"/>
-          </p:cNvPicPr>
-          <p:nvPr/>
-        </p:nvPicPr>
-        <p:blipFill>
-          <a:blip r:embed="rId4">
-            <a:extLst>
-              <a:ext uri="{28A0092B-C50C-407E-A947-70E740481C1C}">
-                <a14:useLocalDpi xmlns:a14="http://schemas.microsoft.com/office/drawing/2010/main" val="0"/>
-              </a:ext>
-            </a:extLst>
-          </a:blip>
-          <a:srcRect/>
-          <a:stretch>
-            <a:fillRect/>
-          </a:stretch>
-        </p:blipFill>
-        <p:spPr bwMode="auto">
-          <a:xfrm>
-            <a:off x="2526102" y="1295400"/>
-            <a:ext cx="3238238" cy="1885950"/>
-          </a:xfrm>
-          <a:prstGeom prst="rect">
-            <a:avLst/>
-          </a:prstGeom>
-          <a:noFill/>
-          <a:ln>
-            <a:noFill/>
-          </a:ln>
-          <a:extLst>
-            <a:ext uri="{909E8E84-426E-40DD-AFC4-6F175D3DCCD1}">
-              <a14:hiddenFill xmlns:a14="http://schemas.microsoft.com/office/drawing/2010/main">
-                <a:solidFill>
-                  <a:schemeClr val="accent1"/>
-                </a:solidFill>
-              </a14:hiddenFill>
-            </a:ext>
-            <a:ext uri="{91240B29-F687-4F45-9708-019B960494DF}">
-              <a14:hiddenLine xmlns:a14="http://schemas.microsoft.com/office/drawing/2010/main" w="9525">
-                <a:solidFill>
-                  <a:schemeClr val="tx1"/>
-                </a:solidFill>
-                <a:miter lim="800000"/>
-                <a:headEnd/>
-                <a:tailEnd/>
-              </a14:hiddenLine>
-            </a:ext>
-          </a:extLst>
-        </p:spPr>
-      </p:pic>
       <p:sp>
         <p:nvSpPr>
           <p:cNvPr id="4" name="TextBox 3"/>
@@ -45358,13 +45935,13 @@
             <a:pPr algn="r"/>
             <a:r>
               <a:rPr lang="en-US" sz="900" i="1" dirty="0">
-                <a:hlinkClick r:id="rId5"/>
+                <a:hlinkClick r:id="rId4"/>
               </a:rPr>
               <a:t>https://</a:t>
             </a:r>
             <a:r>
               <a:rPr lang="en-US" sz="900" i="1" dirty="0" smtClean="0">
-                <a:hlinkClick r:id="rId5"/>
+                <a:hlinkClick r:id="rId4"/>
               </a:rPr>
               <a:t>www.wiideman.com/blog/local-seo/study-how-important-are-yelp-reviews-really</a:t>
             </a:r>
@@ -45430,6 +46007,45 @@
           </a:p>
         </p:txBody>
       </p:sp>
+      <p:pic>
+        <p:nvPicPr>
+          <p:cNvPr id="5" name="Picture 2" descr="Image result for yelp reviews impact local purchase"/>
+          <p:cNvPicPr>
+            <a:picLocks noChangeAspect="1" noChangeArrowheads="1"/>
+          </p:cNvPicPr>
+          <p:nvPr/>
+        </p:nvPicPr>
+        <p:blipFill rotWithShape="1">
+          <a:blip r:embed="rId5">
+            <a:extLst>
+              <a:ext uri="{28A0092B-C50C-407E-A947-70E740481C1C}">
+                <a14:useLocalDpi xmlns:a14="http://schemas.microsoft.com/office/drawing/2010/main" val="0"/>
+              </a:ext>
+            </a:extLst>
+          </a:blip>
+          <a:srcRect r="22894" b="66840"/>
+          <a:stretch/>
+        </p:blipFill>
+        <p:spPr bwMode="auto">
+          <a:xfrm>
+            <a:off x="1939150" y="1233055"/>
+            <a:ext cx="4385449" cy="2218608"/>
+          </a:xfrm>
+          <a:prstGeom prst="rect">
+            <a:avLst/>
+          </a:prstGeom>
+          <a:noFill/>
+          <a:extLst>
+            <a:ext uri="{909E8E84-426E-40DD-AFC4-6F175D3DCCD1}">
+              <a14:hiddenFill xmlns:a14="http://schemas.microsoft.com/office/drawing/2010/main">
+                <a:solidFill>
+                  <a:srgbClr val="FFFFFF"/>
+                </a:solidFill>
+              </a14:hiddenFill>
+            </a:ext>
+          </a:extLst>
+        </p:spPr>
+      </p:pic>
     </p:spTree>
     <p:extLst>
       <p:ext uri="{BB962C8B-B14F-4D97-AF65-F5344CB8AC3E}">
@@ -45808,6 +46424,102 @@
           <a:chExt cx="0" cy="0"/>
         </a:xfrm>
       </p:grpSpPr>
+      <p:grpSp>
+        <p:nvGrpSpPr>
+          <p:cNvPr id="3" name="Group 2"/>
+          <p:cNvGrpSpPr/>
+          <p:nvPr/>
+        </p:nvGrpSpPr>
+        <p:grpSpPr>
+          <a:xfrm>
+            <a:off x="762000" y="1162902"/>
+            <a:ext cx="2553570" cy="1621100"/>
+            <a:chOff x="762000" y="1162902"/>
+            <a:chExt cx="2553570" cy="1621100"/>
+          </a:xfrm>
+        </p:grpSpPr>
+        <p:pic>
+          <p:nvPicPr>
+            <p:cNvPr id="3074" name="Picture 2"/>
+            <p:cNvPicPr>
+              <a:picLocks noChangeAspect="1" noChangeArrowheads="1"/>
+            </p:cNvPicPr>
+            <p:nvPr/>
+          </p:nvPicPr>
+          <p:blipFill rotWithShape="1">
+            <a:blip r:embed="rId3" cstate="print">
+              <a:extLst>
+                <a:ext uri="{28A0092B-C50C-407E-A947-70E740481C1C}">
+                  <a14:useLocalDpi xmlns:a14="http://schemas.microsoft.com/office/drawing/2010/main" val="0"/>
+                </a:ext>
+              </a:extLst>
+            </a:blip>
+            <a:srcRect b="14728"/>
+            <a:stretch/>
+          </p:blipFill>
+          <p:spPr bwMode="auto">
+            <a:xfrm>
+              <a:off x="762000" y="1162902"/>
+              <a:ext cx="2553570" cy="1199297"/>
+            </a:xfrm>
+            <a:prstGeom prst="rect">
+              <a:avLst/>
+            </a:prstGeom>
+            <a:noFill/>
+            <a:ln>
+              <a:noFill/>
+            </a:ln>
+            <a:extLst>
+              <a:ext uri="{909E8E84-426E-40DD-AFC4-6F175D3DCCD1}">
+                <a14:hiddenFill xmlns:a14="http://schemas.microsoft.com/office/drawing/2010/main">
+                  <a:solidFill>
+                    <a:schemeClr val="accent1"/>
+                  </a:solidFill>
+                </a14:hiddenFill>
+              </a:ext>
+              <a:ext uri="{91240B29-F687-4F45-9708-019B960494DF}">
+                <a14:hiddenLine xmlns:a14="http://schemas.microsoft.com/office/drawing/2010/main" w="9525">
+                  <a:solidFill>
+                    <a:schemeClr val="tx1"/>
+                  </a:solidFill>
+                  <a:miter lim="800000"/>
+                  <a:headEnd/>
+                  <a:tailEnd/>
+                </a14:hiddenLine>
+              </a:ext>
+            </a:extLst>
+          </p:spPr>
+        </p:pic>
+        <p:sp>
+          <p:nvSpPr>
+            <p:cNvPr id="23" name="Rectangle 22"/>
+            <p:cNvSpPr/>
+            <p:nvPr/>
+          </p:nvSpPr>
+          <p:spPr>
+            <a:xfrm>
+              <a:off x="1028733" y="2414670"/>
+              <a:ext cx="1955472" cy="369332"/>
+            </a:xfrm>
+            <a:prstGeom prst="rect">
+              <a:avLst/>
+            </a:prstGeom>
+          </p:spPr>
+          <p:txBody>
+            <a:bodyPr wrap="none">
+              <a:spAutoFit/>
+            </a:bodyPr>
+            <a:lstStyle/>
+            <a:p>
+              <a:r>
+                <a:rPr lang="en-US" dirty="0" smtClean="0"/>
+                <a:t>Word, punctuation</a:t>
+              </a:r>
+              <a:endParaRPr lang="en-US" dirty="0"/>
+            </a:p>
+          </p:txBody>
+        </p:sp>
+      </p:grpSp>
       <p:sp>
         <p:nvSpPr>
           <p:cNvPr id="9" name="Rectangle 8"/>
@@ -45923,6 +46635,936 @@
               </a:rPr>
               <a:pPr/>
               <a:t>8</a:t>
+            </a:fld>
+            <a:endParaRPr lang="en-US" dirty="0">
+              <a:solidFill>
+                <a:schemeClr val="bg1"/>
+              </a:solidFill>
+            </a:endParaRPr>
+          </a:p>
+        </p:txBody>
+      </p:sp>
+      <p:pic>
+        <p:nvPicPr>
+          <p:cNvPr id="1026" name="Picture 2"/>
+          <p:cNvPicPr>
+            <a:picLocks noChangeAspect="1" noChangeArrowheads="1"/>
+          </p:cNvPicPr>
+          <p:nvPr/>
+        </p:nvPicPr>
+        <p:blipFill>
+          <a:blip r:embed="rId4">
+            <a:extLst>
+              <a:ext uri="{28A0092B-C50C-407E-A947-70E740481C1C}">
+                <a14:useLocalDpi xmlns:a14="http://schemas.microsoft.com/office/drawing/2010/main" val="0"/>
+              </a:ext>
+            </a:extLst>
+          </a:blip>
+          <a:srcRect/>
+          <a:stretch>
+            <a:fillRect/>
+          </a:stretch>
+        </p:blipFill>
+        <p:spPr bwMode="auto">
+          <a:xfrm>
+            <a:off x="152400" y="6248400"/>
+            <a:ext cx="3029309" cy="366852"/>
+          </a:xfrm>
+          <a:prstGeom prst="rect">
+            <a:avLst/>
+          </a:prstGeom>
+          <a:noFill/>
+          <a:ln>
+            <a:noFill/>
+          </a:ln>
+          <a:effectLst/>
+          <a:extLst>
+            <a:ext uri="{909E8E84-426E-40DD-AFC4-6F175D3DCCD1}">
+              <a14:hiddenFill xmlns:a14="http://schemas.microsoft.com/office/drawing/2010/main">
+                <a:solidFill>
+                  <a:schemeClr val="accent1"/>
+                </a:solidFill>
+              </a14:hiddenFill>
+            </a:ext>
+            <a:ext uri="{91240B29-F687-4F45-9708-019B960494DF}">
+              <a14:hiddenLine xmlns:a14="http://schemas.microsoft.com/office/drawing/2010/main" w="9525">
+                <a:solidFill>
+                  <a:schemeClr val="tx1"/>
+                </a:solidFill>
+                <a:miter lim="800000"/>
+                <a:headEnd/>
+                <a:tailEnd/>
+              </a14:hiddenLine>
+            </a:ext>
+            <a:ext uri="{AF507438-7753-43E0-B8FC-AC1667EBCBE1}">
+              <a14:hiddenEffects xmlns:a14="http://schemas.microsoft.com/office/drawing/2010/main">
+                <a:effectLst>
+                  <a:outerShdw dist="35921" dir="2700000" algn="ctr" rotWithShape="0">
+                    <a:schemeClr val="bg2"/>
+                  </a:outerShdw>
+                </a:effectLst>
+              </a14:hiddenEffects>
+            </a:ext>
+          </a:extLst>
+        </p:spPr>
+      </p:pic>
+      <p:sp>
+        <p:nvSpPr>
+          <p:cNvPr id="10" name="TextBox 9"/>
+          <p:cNvSpPr txBox="1"/>
+          <p:nvPr/>
+        </p:nvSpPr>
+        <p:spPr>
+          <a:xfrm>
+            <a:off x="152400" y="6530095"/>
+            <a:ext cx="2092239" cy="307777"/>
+          </a:xfrm>
+          <a:prstGeom prst="rect">
+            <a:avLst/>
+          </a:prstGeom>
+          <a:noFill/>
+        </p:spPr>
+        <p:txBody>
+          <a:bodyPr wrap="none" rtlCol="0">
+            <a:spAutoFit/>
+          </a:bodyPr>
+          <a:lstStyle/>
+          <a:p>
+            <a:r>
+              <a:rPr lang="en-US" sz="1400" dirty="0" smtClean="0">
+                <a:solidFill>
+                  <a:schemeClr val="bg1"/>
+                </a:solidFill>
+                <a:latin typeface="Book Antiqua" panose="02040602050305030304" pitchFamily="18" charset="0"/>
+              </a:rPr>
+              <a:t>Department of Statistics</a:t>
+            </a:r>
+            <a:endParaRPr lang="en-US" sz="1400" dirty="0">
+              <a:solidFill>
+                <a:schemeClr val="bg1"/>
+              </a:solidFill>
+              <a:latin typeface="Book Antiqua" panose="02040602050305030304" pitchFamily="18" charset="0"/>
+            </a:endParaRPr>
+          </a:p>
+        </p:txBody>
+      </p:sp>
+      <p:sp>
+        <p:nvSpPr>
+          <p:cNvPr id="6" name="AutoShape 4" descr="Image result for document"/>
+          <p:cNvSpPr>
+            <a:spLocks noChangeAspect="1" noChangeArrowheads="1"/>
+          </p:cNvSpPr>
+          <p:nvPr/>
+        </p:nvSpPr>
+        <p:spPr bwMode="auto">
+          <a:xfrm>
+            <a:off x="155575" y="-144463"/>
+            <a:ext cx="304800" cy="304801"/>
+          </a:xfrm>
+          <a:prstGeom prst="rect">
+            <a:avLst/>
+          </a:prstGeom>
+          <a:noFill/>
+          <a:extLst>
+            <a:ext uri="{909E8E84-426E-40DD-AFC4-6F175D3DCCD1}">
+              <a14:hiddenFill xmlns:a14="http://schemas.microsoft.com/office/drawing/2010/main">
+                <a:solidFill>
+                  <a:srgbClr val="FFFFFF"/>
+                </a:solidFill>
+              </a14:hiddenFill>
+            </a:ext>
+          </a:extLst>
+        </p:spPr>
+        <p:txBody>
+          <a:bodyPr vert="horz" wrap="square" lIns="91440" tIns="45720" rIns="91440" bIns="45720" numCol="1" anchor="t" anchorCtr="0" compatLnSpc="1">
+            <a:prstTxWarp prst="textNoShape">
+              <a:avLst/>
+            </a:prstTxWarp>
+          </a:bodyPr>
+          <a:lstStyle/>
+          <a:p>
+            <a:endParaRPr lang="en-US"/>
+          </a:p>
+        </p:txBody>
+      </p:sp>
+      <p:pic>
+        <p:nvPicPr>
+          <p:cNvPr id="3082" name="Picture 10"/>
+          <p:cNvPicPr>
+            <a:picLocks noChangeAspect="1" noChangeArrowheads="1"/>
+          </p:cNvPicPr>
+          <p:nvPr/>
+        </p:nvPicPr>
+        <p:blipFill>
+          <a:blip r:embed="rId5" cstate="print">
+            <a:extLst>
+              <a:ext uri="{28A0092B-C50C-407E-A947-70E740481C1C}">
+                <a14:useLocalDpi xmlns:a14="http://schemas.microsoft.com/office/drawing/2010/main" val="0"/>
+              </a:ext>
+            </a:extLst>
+          </a:blip>
+          <a:srcRect/>
+          <a:stretch>
+            <a:fillRect/>
+          </a:stretch>
+        </p:blipFill>
+        <p:spPr bwMode="auto">
+          <a:xfrm>
+            <a:off x="1028733" y="3992592"/>
+            <a:ext cx="2020104" cy="1347788"/>
+          </a:xfrm>
+          <a:prstGeom prst="rect">
+            <a:avLst/>
+          </a:prstGeom>
+          <a:noFill/>
+          <a:ln>
+            <a:noFill/>
+          </a:ln>
+          <a:extLst>
+            <a:ext uri="{909E8E84-426E-40DD-AFC4-6F175D3DCCD1}">
+              <a14:hiddenFill xmlns:a14="http://schemas.microsoft.com/office/drawing/2010/main">
+                <a:solidFill>
+                  <a:schemeClr val="accent1"/>
+                </a:solidFill>
+              </a14:hiddenFill>
+            </a:ext>
+            <a:ext uri="{91240B29-F687-4F45-9708-019B960494DF}">
+              <a14:hiddenLine xmlns:a14="http://schemas.microsoft.com/office/drawing/2010/main" w="9525">
+                <a:solidFill>
+                  <a:schemeClr val="tx1"/>
+                </a:solidFill>
+                <a:miter lim="800000"/>
+                <a:headEnd/>
+                <a:tailEnd/>
+              </a14:hiddenLine>
+            </a:ext>
+          </a:extLst>
+        </p:spPr>
+      </p:pic>
+      <p:grpSp>
+        <p:nvGrpSpPr>
+          <p:cNvPr id="4" name="Group 3"/>
+          <p:cNvGrpSpPr/>
+          <p:nvPr/>
+        </p:nvGrpSpPr>
+        <p:grpSpPr>
+          <a:xfrm>
+            <a:off x="2743200" y="1381550"/>
+            <a:ext cx="2689191" cy="2689316"/>
+            <a:chOff x="2743200" y="1381550"/>
+            <a:chExt cx="2689191" cy="2689316"/>
+          </a:xfrm>
+        </p:grpSpPr>
+        <p:pic>
+          <p:nvPicPr>
+            <p:cNvPr id="3080" name="Picture 8"/>
+            <p:cNvPicPr>
+              <a:picLocks noChangeAspect="1" noChangeArrowheads="1"/>
+            </p:cNvPicPr>
+            <p:nvPr/>
+          </p:nvPicPr>
+          <p:blipFill>
+            <a:blip r:embed="rId6">
+              <a:extLst>
+                <a:ext uri="{28A0092B-C50C-407E-A947-70E740481C1C}">
+                  <a14:useLocalDpi xmlns:a14="http://schemas.microsoft.com/office/drawing/2010/main" val="0"/>
+                </a:ext>
+              </a:extLst>
+            </a:blip>
+            <a:srcRect/>
+            <a:stretch>
+              <a:fillRect/>
+            </a:stretch>
+          </p:blipFill>
+          <p:spPr bwMode="auto">
+            <a:xfrm>
+              <a:off x="4267200" y="1905000"/>
+              <a:ext cx="1064649" cy="1388673"/>
+            </a:xfrm>
+            <a:prstGeom prst="rect">
+              <a:avLst/>
+            </a:prstGeom>
+            <a:noFill/>
+            <a:ln>
+              <a:noFill/>
+            </a:ln>
+            <a:extLst>
+              <a:ext uri="{909E8E84-426E-40DD-AFC4-6F175D3DCCD1}">
+                <a14:hiddenFill xmlns:a14="http://schemas.microsoft.com/office/drawing/2010/main">
+                  <a:solidFill>
+                    <a:schemeClr val="accent1"/>
+                  </a:solidFill>
+                </a14:hiddenFill>
+              </a:ext>
+              <a:ext uri="{91240B29-F687-4F45-9708-019B960494DF}">
+                <a14:hiddenLine xmlns:a14="http://schemas.microsoft.com/office/drawing/2010/main" w="9525">
+                  <a:solidFill>
+                    <a:schemeClr val="tx1"/>
+                  </a:solidFill>
+                  <a:miter lim="800000"/>
+                  <a:headEnd/>
+                  <a:tailEnd/>
+                </a14:hiddenLine>
+              </a:ext>
+            </a:extLst>
+          </p:spPr>
+        </p:pic>
+        <p:cxnSp>
+          <p:nvCxnSpPr>
+            <p:cNvPr id="11" name="Straight Connector 10"/>
+            <p:cNvCxnSpPr/>
+            <p:nvPr/>
+          </p:nvCxnSpPr>
+          <p:spPr>
+            <a:xfrm>
+              <a:off x="3004267" y="1381550"/>
+              <a:ext cx="1491533" cy="942549"/>
+            </a:xfrm>
+            <a:prstGeom prst="line">
+              <a:avLst/>
+            </a:prstGeom>
+            <a:ln w="15875">
+              <a:solidFill>
+                <a:srgbClr val="FF0000"/>
+              </a:solidFill>
+              <a:prstDash val="dash"/>
+            </a:ln>
+          </p:spPr>
+          <p:style>
+            <a:lnRef idx="1">
+              <a:schemeClr val="accent1"/>
+            </a:lnRef>
+            <a:fillRef idx="0">
+              <a:schemeClr val="accent1"/>
+            </a:fillRef>
+            <a:effectRef idx="0">
+              <a:schemeClr val="accent1"/>
+            </a:effectRef>
+            <a:fontRef idx="minor">
+              <a:schemeClr val="tx1"/>
+            </a:fontRef>
+          </p:style>
+        </p:cxnSp>
+        <p:cxnSp>
+          <p:nvCxnSpPr>
+            <p:cNvPr id="13" name="Straight Connector 12"/>
+            <p:cNvCxnSpPr/>
+            <p:nvPr/>
+          </p:nvCxnSpPr>
+          <p:spPr>
+            <a:xfrm>
+              <a:off x="2743200" y="2286000"/>
+              <a:ext cx="1752600" cy="76199"/>
+            </a:xfrm>
+            <a:prstGeom prst="line">
+              <a:avLst/>
+            </a:prstGeom>
+            <a:ln w="15875">
+              <a:solidFill>
+                <a:srgbClr val="FF0000"/>
+              </a:solidFill>
+              <a:prstDash val="dash"/>
+            </a:ln>
+          </p:spPr>
+          <p:style>
+            <a:lnRef idx="1">
+              <a:schemeClr val="accent1"/>
+            </a:lnRef>
+            <a:fillRef idx="0">
+              <a:schemeClr val="accent1"/>
+            </a:fillRef>
+            <a:effectRef idx="0">
+              <a:schemeClr val="accent1"/>
+            </a:effectRef>
+            <a:fontRef idx="minor">
+              <a:schemeClr val="tx1"/>
+            </a:fontRef>
+          </p:style>
+        </p:cxnSp>
+        <p:sp>
+          <p:nvSpPr>
+            <p:cNvPr id="33" name="Rectangle 32"/>
+            <p:cNvSpPr/>
+            <p:nvPr/>
+          </p:nvSpPr>
+          <p:spPr>
+            <a:xfrm>
+              <a:off x="4267200" y="3701534"/>
+              <a:ext cx="1165191" cy="369332"/>
+            </a:xfrm>
+            <a:prstGeom prst="rect">
+              <a:avLst/>
+            </a:prstGeom>
+          </p:spPr>
+          <p:txBody>
+            <a:bodyPr wrap="none">
+              <a:spAutoFit/>
+            </a:bodyPr>
+            <a:lstStyle/>
+            <a:p>
+              <a:r>
+                <a:rPr lang="en-US" dirty="0" smtClean="0"/>
+                <a:t>Document</a:t>
+              </a:r>
+              <a:endParaRPr lang="en-US" dirty="0"/>
+            </a:p>
+          </p:txBody>
+        </p:sp>
+      </p:grpSp>
+      <p:grpSp>
+        <p:nvGrpSpPr>
+          <p:cNvPr id="12" name="Group 11"/>
+          <p:cNvGrpSpPr/>
+          <p:nvPr/>
+        </p:nvGrpSpPr>
+        <p:grpSpPr>
+          <a:xfrm>
+            <a:off x="4267200" y="2057400"/>
+            <a:ext cx="4105885" cy="4045982"/>
+            <a:chOff x="4267200" y="2057400"/>
+            <a:chExt cx="4105885" cy="4045982"/>
+          </a:xfrm>
+        </p:grpSpPr>
+        <p:pic>
+          <p:nvPicPr>
+            <p:cNvPr id="3081" name="Picture 9"/>
+            <p:cNvPicPr>
+              <a:picLocks noChangeAspect="1" noChangeArrowheads="1"/>
+            </p:cNvPicPr>
+            <p:nvPr/>
+          </p:nvPicPr>
+          <p:blipFill>
+            <a:blip r:embed="rId7">
+              <a:extLst>
+                <a:ext uri="{28A0092B-C50C-407E-A947-70E740481C1C}">
+                  <a14:useLocalDpi xmlns:a14="http://schemas.microsoft.com/office/drawing/2010/main" val="0"/>
+                </a:ext>
+              </a:extLst>
+            </a:blip>
+            <a:srcRect/>
+            <a:stretch>
+              <a:fillRect/>
+            </a:stretch>
+          </p:blipFill>
+          <p:spPr bwMode="auto">
+            <a:xfrm>
+              <a:off x="6477000" y="2895600"/>
+              <a:ext cx="1896085" cy="2838450"/>
+            </a:xfrm>
+            <a:prstGeom prst="rect">
+              <a:avLst/>
+            </a:prstGeom>
+            <a:noFill/>
+            <a:ln>
+              <a:noFill/>
+            </a:ln>
+            <a:extLst>
+              <a:ext uri="{909E8E84-426E-40DD-AFC4-6F175D3DCCD1}">
+                <a14:hiddenFill xmlns:a14="http://schemas.microsoft.com/office/drawing/2010/main">
+                  <a:solidFill>
+                    <a:schemeClr val="accent1"/>
+                  </a:solidFill>
+                </a14:hiddenFill>
+              </a:ext>
+              <a:ext uri="{91240B29-F687-4F45-9708-019B960494DF}">
+                <a14:hiddenLine xmlns:a14="http://schemas.microsoft.com/office/drawing/2010/main" w="9525">
+                  <a:solidFill>
+                    <a:schemeClr val="tx1"/>
+                  </a:solidFill>
+                  <a:miter lim="800000"/>
+                  <a:headEnd/>
+                  <a:tailEnd/>
+                </a14:hiddenLine>
+              </a:ext>
+            </a:extLst>
+          </p:spPr>
+        </p:pic>
+        <p:cxnSp>
+          <p:nvCxnSpPr>
+            <p:cNvPr id="15" name="Straight Connector 14"/>
+            <p:cNvCxnSpPr/>
+            <p:nvPr/>
+          </p:nvCxnSpPr>
+          <p:spPr>
+            <a:xfrm>
+              <a:off x="5257800" y="2057400"/>
+              <a:ext cx="1447800" cy="1905000"/>
+            </a:xfrm>
+            <a:prstGeom prst="line">
+              <a:avLst/>
+            </a:prstGeom>
+            <a:ln w="15875">
+              <a:solidFill>
+                <a:srgbClr val="FF0000"/>
+              </a:solidFill>
+              <a:prstDash val="dash"/>
+            </a:ln>
+          </p:spPr>
+          <p:style>
+            <a:lnRef idx="1">
+              <a:schemeClr val="accent1"/>
+            </a:lnRef>
+            <a:fillRef idx="0">
+              <a:schemeClr val="accent1"/>
+            </a:fillRef>
+            <a:effectRef idx="0">
+              <a:schemeClr val="accent1"/>
+            </a:effectRef>
+            <a:fontRef idx="minor">
+              <a:schemeClr val="tx1"/>
+            </a:fontRef>
+          </p:style>
+        </p:cxnSp>
+        <p:cxnSp>
+          <p:nvCxnSpPr>
+            <p:cNvPr id="17" name="Straight Connector 16"/>
+            <p:cNvCxnSpPr/>
+            <p:nvPr/>
+          </p:nvCxnSpPr>
+          <p:spPr>
+            <a:xfrm>
+              <a:off x="4267200" y="3293673"/>
+              <a:ext cx="2362200" cy="592527"/>
+            </a:xfrm>
+            <a:prstGeom prst="line">
+              <a:avLst/>
+            </a:prstGeom>
+            <a:ln w="15875">
+              <a:solidFill>
+                <a:srgbClr val="FF0000"/>
+              </a:solidFill>
+              <a:prstDash val="dash"/>
+            </a:ln>
+          </p:spPr>
+          <p:style>
+            <a:lnRef idx="1">
+              <a:schemeClr val="accent1"/>
+            </a:lnRef>
+            <a:fillRef idx="0">
+              <a:schemeClr val="accent1"/>
+            </a:fillRef>
+            <a:effectRef idx="0">
+              <a:schemeClr val="accent1"/>
+            </a:effectRef>
+            <a:fontRef idx="minor">
+              <a:schemeClr val="tx1"/>
+            </a:fontRef>
+          </p:style>
+        </p:cxnSp>
+        <p:sp>
+          <p:nvSpPr>
+            <p:cNvPr id="24" name="Rectangle 23"/>
+            <p:cNvSpPr/>
+            <p:nvPr/>
+          </p:nvSpPr>
+          <p:spPr>
+            <a:xfrm>
+              <a:off x="7017077" y="5734050"/>
+              <a:ext cx="1277081" cy="369332"/>
+            </a:xfrm>
+            <a:prstGeom prst="rect">
+              <a:avLst/>
+            </a:prstGeom>
+          </p:spPr>
+          <p:txBody>
+            <a:bodyPr wrap="none">
+              <a:spAutoFit/>
+            </a:bodyPr>
+            <a:lstStyle/>
+            <a:p>
+              <a:r>
+                <a:rPr lang="en-US" dirty="0" smtClean="0"/>
+                <a:t>Text Corpus</a:t>
+              </a:r>
+              <a:endParaRPr lang="en-US" dirty="0"/>
+            </a:p>
+          </p:txBody>
+        </p:sp>
+      </p:grpSp>
+      <p:sp>
+        <p:nvSpPr>
+          <p:cNvPr id="35" name="Rectangle 34"/>
+          <p:cNvSpPr/>
+          <p:nvPr/>
+        </p:nvSpPr>
+        <p:spPr>
+          <a:xfrm>
+            <a:off x="618171" y="5373973"/>
+            <a:ext cx="4861331" cy="369332"/>
+          </a:xfrm>
+          <a:prstGeom prst="rect">
+            <a:avLst/>
+          </a:prstGeom>
+        </p:spPr>
+        <p:txBody>
+          <a:bodyPr wrap="none">
+            <a:spAutoFit/>
+          </a:bodyPr>
+          <a:lstStyle/>
+          <a:p>
+            <a:r>
+              <a:rPr lang="en-US" dirty="0" smtClean="0"/>
+              <a:t>Dictionary: collection of distinct words in a corpus</a:t>
+            </a:r>
+            <a:endParaRPr lang="en-US" dirty="0"/>
+          </a:p>
+        </p:txBody>
+      </p:sp>
+    </p:spTree>
+    <p:extLst>
+      <p:ext uri="{BB962C8B-B14F-4D97-AF65-F5344CB8AC3E}">
+        <p14:creationId xmlns:p14="http://schemas.microsoft.com/office/powerpoint/2010/main" val="2627352194"/>
+      </p:ext>
+    </p:extLst>
+  </p:cSld>
+  <p:clrMapOvr>
+    <a:masterClrMapping/>
+  </p:clrMapOvr>
+  <p:timing>
+    <p:tnLst>
+      <p:par>
+        <p:cTn id="1" dur="indefinite" restart="never" nodeType="tmRoot">
+          <p:childTnLst>
+            <p:seq concurrent="1" nextAc="seek">
+              <p:cTn id="2" dur="indefinite" nodeType="mainSeq">
+                <p:childTnLst>
+                  <p:par>
+                    <p:cTn id="3" fill="hold">
+                      <p:stCondLst>
+                        <p:cond delay="indefinite"/>
+                      </p:stCondLst>
+                      <p:childTnLst>
+                        <p:par>
+                          <p:cTn id="4" fill="hold">
+                            <p:stCondLst>
+                              <p:cond delay="0"/>
+                            </p:stCondLst>
+                            <p:childTnLst>
+                              <p:par>
+                                <p:cTn id="5" presetID="10" presetClass="entr" presetSubtype="0" fill="hold" nodeType="clickEffect">
+                                  <p:stCondLst>
+                                    <p:cond delay="0"/>
+                                  </p:stCondLst>
+                                  <p:childTnLst>
+                                    <p:set>
+                                      <p:cBhvr>
+                                        <p:cTn id="6" dur="1" fill="hold">
+                                          <p:stCondLst>
+                                            <p:cond delay="0"/>
+                                          </p:stCondLst>
+                                        </p:cTn>
+                                        <p:tgtEl>
+                                          <p:spTgt spid="4"/>
+                                        </p:tgtEl>
+                                        <p:attrNameLst>
+                                          <p:attrName>style.visibility</p:attrName>
+                                        </p:attrNameLst>
+                                      </p:cBhvr>
+                                      <p:to>
+                                        <p:strVal val="visible"/>
+                                      </p:to>
+                                    </p:set>
+                                    <p:animEffect transition="in" filter="fade">
+                                      <p:cBhvr>
+                                        <p:cTn id="7" dur="500"/>
+                                        <p:tgtEl>
+                                          <p:spTgt spid="4"/>
+                                        </p:tgtEl>
+                                      </p:cBhvr>
+                                    </p:animEffect>
+                                  </p:childTnLst>
+                                </p:cTn>
+                              </p:par>
+                            </p:childTnLst>
+                          </p:cTn>
+                        </p:par>
+                      </p:childTnLst>
+                    </p:cTn>
+                  </p:par>
+                  <p:par>
+                    <p:cTn id="8" fill="hold">
+                      <p:stCondLst>
+                        <p:cond delay="indefinite"/>
+                      </p:stCondLst>
+                      <p:childTnLst>
+                        <p:par>
+                          <p:cTn id="9" fill="hold">
+                            <p:stCondLst>
+                              <p:cond delay="0"/>
+                            </p:stCondLst>
+                            <p:childTnLst>
+                              <p:par>
+                                <p:cTn id="10" presetID="10" presetClass="entr" presetSubtype="0" fill="hold" nodeType="clickEffect">
+                                  <p:stCondLst>
+                                    <p:cond delay="0"/>
+                                  </p:stCondLst>
+                                  <p:childTnLst>
+                                    <p:set>
+                                      <p:cBhvr>
+                                        <p:cTn id="11" dur="1" fill="hold">
+                                          <p:stCondLst>
+                                            <p:cond delay="0"/>
+                                          </p:stCondLst>
+                                        </p:cTn>
+                                        <p:tgtEl>
+                                          <p:spTgt spid="12"/>
+                                        </p:tgtEl>
+                                        <p:attrNameLst>
+                                          <p:attrName>style.visibility</p:attrName>
+                                        </p:attrNameLst>
+                                      </p:cBhvr>
+                                      <p:to>
+                                        <p:strVal val="visible"/>
+                                      </p:to>
+                                    </p:set>
+                                    <p:animEffect transition="in" filter="fade">
+                                      <p:cBhvr>
+                                        <p:cTn id="12" dur="500"/>
+                                        <p:tgtEl>
+                                          <p:spTgt spid="12"/>
+                                        </p:tgtEl>
+                                      </p:cBhvr>
+                                    </p:animEffect>
+                                  </p:childTnLst>
+                                </p:cTn>
+                              </p:par>
+                            </p:childTnLst>
+                          </p:cTn>
+                        </p:par>
+                      </p:childTnLst>
+                    </p:cTn>
+                  </p:par>
+                  <p:par>
+                    <p:cTn id="13" fill="hold">
+                      <p:stCondLst>
+                        <p:cond delay="indefinite"/>
+                      </p:stCondLst>
+                      <p:childTnLst>
+                        <p:par>
+                          <p:cTn id="14" fill="hold">
+                            <p:stCondLst>
+                              <p:cond delay="0"/>
+                            </p:stCondLst>
+                            <p:childTnLst>
+                              <p:par>
+                                <p:cTn id="15" presetID="1" presetClass="entr" presetSubtype="0" fill="hold" nodeType="clickEffect">
+                                  <p:stCondLst>
+                                    <p:cond delay="0"/>
+                                  </p:stCondLst>
+                                  <p:childTnLst>
+                                    <p:set>
+                                      <p:cBhvr>
+                                        <p:cTn id="16" dur="1" fill="hold">
+                                          <p:stCondLst>
+                                            <p:cond delay="0"/>
+                                          </p:stCondLst>
+                                        </p:cTn>
+                                        <p:tgtEl>
+                                          <p:spTgt spid="3082"/>
+                                        </p:tgtEl>
+                                        <p:attrNameLst>
+                                          <p:attrName>style.visibility</p:attrName>
+                                        </p:attrNameLst>
+                                      </p:cBhvr>
+                                      <p:to>
+                                        <p:strVal val="visible"/>
+                                      </p:to>
+                                    </p:set>
+                                  </p:childTnLst>
+                                </p:cTn>
+                              </p:par>
+                              <p:par>
+                                <p:cTn id="17" presetID="1" presetClass="entr" presetSubtype="0" fill="hold" grpId="0" nodeType="withEffect">
+                                  <p:stCondLst>
+                                    <p:cond delay="0"/>
+                                  </p:stCondLst>
+                                  <p:childTnLst>
+                                    <p:set>
+                                      <p:cBhvr>
+                                        <p:cTn id="18" dur="1" fill="hold">
+                                          <p:stCondLst>
+                                            <p:cond delay="0"/>
+                                          </p:stCondLst>
+                                        </p:cTn>
+                                        <p:tgtEl>
+                                          <p:spTgt spid="35"/>
+                                        </p:tgtEl>
+                                        <p:attrNameLst>
+                                          <p:attrName>style.visibility</p:attrName>
+                                        </p:attrNameLst>
+                                      </p:cBhvr>
+                                      <p:to>
+                                        <p:strVal val="visible"/>
+                                      </p:to>
+                                    </p:set>
+                                  </p:childTnLst>
+                                </p:cTn>
+                              </p:par>
+                            </p:childTnLst>
+                          </p:cTn>
+                        </p:par>
+                      </p:childTnLst>
+                    </p:cTn>
+                  </p:par>
+                </p:childTnLst>
+              </p:cTn>
+              <p:prevCondLst>
+                <p:cond evt="onPrev" delay="0">
+                  <p:tgtEl>
+                    <p:sldTgt/>
+                  </p:tgtEl>
+                </p:cond>
+              </p:prevCondLst>
+              <p:nextCondLst>
+                <p:cond evt="onNext" delay="0">
+                  <p:tgtEl>
+                    <p:sldTgt/>
+                  </p:tgtEl>
+                </p:cond>
+              </p:nextCondLst>
+            </p:seq>
+          </p:childTnLst>
+        </p:cTn>
+      </p:par>
+    </p:tnLst>
+    <p:bldLst>
+      <p:bldP spid="35" grpId="0"/>
+    </p:bldLst>
+  </p:timing>
+</p:sld>
+</file>
+
+<file path=ppt/slides/slide9.xml><?xml version="1.0" encoding="utf-8"?>
+<p:sld xmlns:a="http://schemas.openxmlformats.org/drawingml/2006/main" xmlns:r="http://schemas.openxmlformats.org/officeDocument/2006/relationships" xmlns:p="http://schemas.openxmlformats.org/presentationml/2006/main">
+  <p:cSld>
+    <p:spTree>
+      <p:nvGrpSpPr>
+        <p:cNvPr id="1" name=""/>
+        <p:cNvGrpSpPr/>
+        <p:nvPr/>
+      </p:nvGrpSpPr>
+      <p:grpSpPr>
+        <a:xfrm>
+          <a:off x="0" y="0"/>
+          <a:ext cx="0" cy="0"/>
+          <a:chOff x="0" y="0"/>
+          <a:chExt cx="0" cy="0"/>
+        </a:xfrm>
+      </p:grpSpPr>
+      <p:sp>
+        <p:nvSpPr>
+          <p:cNvPr id="9" name="Rectangle 8"/>
+          <p:cNvSpPr/>
+          <p:nvPr/>
+        </p:nvSpPr>
+        <p:spPr>
+          <a:xfrm>
+            <a:off x="0" y="6248400"/>
+            <a:ext cx="9144000" cy="609600"/>
+          </a:xfrm>
+          <a:prstGeom prst="rect">
+            <a:avLst/>
+          </a:prstGeom>
+          <a:solidFill>
+            <a:srgbClr val="CC0000"/>
+          </a:solidFill>
+          <a:ln>
+            <a:noFill/>
+          </a:ln>
+        </p:spPr>
+        <p:style>
+          <a:lnRef idx="2">
+            <a:schemeClr val="accent1">
+              <a:shade val="50000"/>
+            </a:schemeClr>
+          </a:lnRef>
+          <a:fillRef idx="1">
+            <a:schemeClr val="accent1"/>
+          </a:fillRef>
+          <a:effectRef idx="0">
+            <a:schemeClr val="accent1"/>
+          </a:effectRef>
+          <a:fontRef idx="minor">
+            <a:schemeClr val="lt1"/>
+          </a:fontRef>
+        </p:style>
+        <p:txBody>
+          <a:bodyPr rtlCol="0" anchor="ctr"/>
+          <a:lstStyle/>
+          <a:p>
+            <a:pPr algn="ctr"/>
+            <a:r>
+              <a:rPr lang="en-US" cap="small" dirty="0" smtClean="0">
+                <a:solidFill>
+                  <a:srgbClr val="C8102E"/>
+                </a:solidFill>
+              </a:rPr>
+              <a:t>Iowa State University</a:t>
+            </a:r>
+            <a:endParaRPr lang="en-US" cap="small" dirty="0">
+              <a:solidFill>
+                <a:srgbClr val="C8102E"/>
+              </a:solidFill>
+            </a:endParaRPr>
+          </a:p>
+        </p:txBody>
+      </p:sp>
+      <p:sp>
+        <p:nvSpPr>
+          <p:cNvPr id="2" name="Title 1"/>
+          <p:cNvSpPr>
+            <a:spLocks noGrp="1"/>
+          </p:cNvSpPr>
+          <p:nvPr>
+            <p:ph type="title"/>
+          </p:nvPr>
+        </p:nvSpPr>
+        <p:spPr>
+          <a:xfrm>
+            <a:off x="460375" y="76200"/>
+            <a:ext cx="8229600" cy="792162"/>
+          </a:xfrm>
+        </p:spPr>
+        <p:txBody>
+          <a:bodyPr>
+            <a:noAutofit/>
+          </a:bodyPr>
+          <a:lstStyle/>
+          <a:p>
+            <a:pPr algn="l"/>
+            <a:r>
+              <a:rPr lang="en-US" sz="2800" dirty="0"/>
+              <a:t>Text Representation: Bag of words </a:t>
+            </a:r>
+            <a:endParaRPr lang="en-US" sz="2800" dirty="0">
+              <a:latin typeface="+mn-lt"/>
+            </a:endParaRPr>
+          </a:p>
+        </p:txBody>
+      </p:sp>
+      <p:sp>
+        <p:nvSpPr>
+          <p:cNvPr id="7" name="Slide Number Placeholder 6"/>
+          <p:cNvSpPr>
+            <a:spLocks noGrp="1"/>
+          </p:cNvSpPr>
+          <p:nvPr>
+            <p:ph type="sldNum" sz="quarter" idx="12"/>
+          </p:nvPr>
+        </p:nvSpPr>
+        <p:spPr/>
+        <p:txBody>
+          <a:bodyPr/>
+          <a:lstStyle/>
+          <a:p>
+            <a:fld id="{B6F15528-21DE-4FAA-801E-634DDDAF4B2B}" type="slidenum">
+              <a:rPr lang="en-US" smtClean="0">
+                <a:solidFill>
+                  <a:schemeClr val="bg1"/>
+                </a:solidFill>
+              </a:rPr>
+              <a:pPr/>
+              <a:t>9</a:t>
             </a:fld>
             <a:endParaRPr lang="en-US" dirty="0">
               <a:solidFill>
@@ -46036,783 +47678,6 @@
           </a:p>
         </p:txBody>
       </p:sp>
-      <p:pic>
-        <p:nvPicPr>
-          <p:cNvPr id="3074" name="Picture 2"/>
-          <p:cNvPicPr>
-            <a:picLocks noChangeAspect="1" noChangeArrowheads="1"/>
-          </p:cNvPicPr>
-          <p:nvPr/>
-        </p:nvPicPr>
-        <p:blipFill rotWithShape="1">
-          <a:blip r:embed="rId4" cstate="print">
-            <a:extLst>
-              <a:ext uri="{28A0092B-C50C-407E-A947-70E740481C1C}">
-                <a14:useLocalDpi xmlns:a14="http://schemas.microsoft.com/office/drawing/2010/main" val="0"/>
-              </a:ext>
-            </a:extLst>
-          </a:blip>
-          <a:srcRect b="14728"/>
-          <a:stretch/>
-        </p:blipFill>
-        <p:spPr bwMode="auto">
-          <a:xfrm>
-            <a:off x="762000" y="1162902"/>
-            <a:ext cx="2553570" cy="1199297"/>
-          </a:xfrm>
-          <a:prstGeom prst="rect">
-            <a:avLst/>
-          </a:prstGeom>
-          <a:noFill/>
-          <a:ln>
-            <a:noFill/>
-          </a:ln>
-          <a:extLst>
-            <a:ext uri="{909E8E84-426E-40DD-AFC4-6F175D3DCCD1}">
-              <a14:hiddenFill xmlns:a14="http://schemas.microsoft.com/office/drawing/2010/main">
-                <a:solidFill>
-                  <a:schemeClr val="accent1"/>
-                </a:solidFill>
-              </a14:hiddenFill>
-            </a:ext>
-            <a:ext uri="{91240B29-F687-4F45-9708-019B960494DF}">
-              <a14:hiddenLine xmlns:a14="http://schemas.microsoft.com/office/drawing/2010/main" w="9525">
-                <a:solidFill>
-                  <a:schemeClr val="tx1"/>
-                </a:solidFill>
-                <a:miter lim="800000"/>
-                <a:headEnd/>
-                <a:tailEnd/>
-              </a14:hiddenLine>
-            </a:ext>
-          </a:extLst>
-        </p:spPr>
-      </p:pic>
-      <p:sp>
-        <p:nvSpPr>
-          <p:cNvPr id="6" name="AutoShape 4" descr="Image result for document"/>
-          <p:cNvSpPr>
-            <a:spLocks noChangeAspect="1" noChangeArrowheads="1"/>
-          </p:cNvSpPr>
-          <p:nvPr/>
-        </p:nvSpPr>
-        <p:spPr bwMode="auto">
-          <a:xfrm>
-            <a:off x="155575" y="-144463"/>
-            <a:ext cx="304800" cy="304801"/>
-          </a:xfrm>
-          <a:prstGeom prst="rect">
-            <a:avLst/>
-          </a:prstGeom>
-          <a:noFill/>
-          <a:extLst>
-            <a:ext uri="{909E8E84-426E-40DD-AFC4-6F175D3DCCD1}">
-              <a14:hiddenFill xmlns:a14="http://schemas.microsoft.com/office/drawing/2010/main">
-                <a:solidFill>
-                  <a:srgbClr val="FFFFFF"/>
-                </a:solidFill>
-              </a14:hiddenFill>
-            </a:ext>
-          </a:extLst>
-        </p:spPr>
-        <p:txBody>
-          <a:bodyPr vert="horz" wrap="square" lIns="91440" tIns="45720" rIns="91440" bIns="45720" numCol="1" anchor="t" anchorCtr="0" compatLnSpc="1">
-            <a:prstTxWarp prst="textNoShape">
-              <a:avLst/>
-            </a:prstTxWarp>
-          </a:bodyPr>
-          <a:lstStyle/>
-          <a:p>
-            <a:endParaRPr lang="en-US"/>
-          </a:p>
-        </p:txBody>
-      </p:sp>
-      <p:pic>
-        <p:nvPicPr>
-          <p:cNvPr id="3080" name="Picture 8"/>
-          <p:cNvPicPr>
-            <a:picLocks noChangeAspect="1" noChangeArrowheads="1"/>
-          </p:cNvPicPr>
-          <p:nvPr/>
-        </p:nvPicPr>
-        <p:blipFill>
-          <a:blip r:embed="rId5">
-            <a:extLst>
-              <a:ext uri="{28A0092B-C50C-407E-A947-70E740481C1C}">
-                <a14:useLocalDpi xmlns:a14="http://schemas.microsoft.com/office/drawing/2010/main" val="0"/>
-              </a:ext>
-            </a:extLst>
-          </a:blip>
-          <a:srcRect/>
-          <a:stretch>
-            <a:fillRect/>
-          </a:stretch>
-        </p:blipFill>
-        <p:spPr bwMode="auto">
-          <a:xfrm>
-            <a:off x="4267200" y="1905000"/>
-            <a:ext cx="1064649" cy="1388673"/>
-          </a:xfrm>
-          <a:prstGeom prst="rect">
-            <a:avLst/>
-          </a:prstGeom>
-          <a:noFill/>
-          <a:ln>
-            <a:noFill/>
-          </a:ln>
-          <a:extLst>
-            <a:ext uri="{909E8E84-426E-40DD-AFC4-6F175D3DCCD1}">
-              <a14:hiddenFill xmlns:a14="http://schemas.microsoft.com/office/drawing/2010/main">
-                <a:solidFill>
-                  <a:schemeClr val="accent1"/>
-                </a:solidFill>
-              </a14:hiddenFill>
-            </a:ext>
-            <a:ext uri="{91240B29-F687-4F45-9708-019B960494DF}">
-              <a14:hiddenLine xmlns:a14="http://schemas.microsoft.com/office/drawing/2010/main" w="9525">
-                <a:solidFill>
-                  <a:schemeClr val="tx1"/>
-                </a:solidFill>
-                <a:miter lim="800000"/>
-                <a:headEnd/>
-                <a:tailEnd/>
-              </a14:hiddenLine>
-            </a:ext>
-          </a:extLst>
-        </p:spPr>
-      </p:pic>
-      <p:pic>
-        <p:nvPicPr>
-          <p:cNvPr id="3081" name="Picture 9"/>
-          <p:cNvPicPr>
-            <a:picLocks noChangeAspect="1" noChangeArrowheads="1"/>
-          </p:cNvPicPr>
-          <p:nvPr/>
-        </p:nvPicPr>
-        <p:blipFill>
-          <a:blip r:embed="rId6">
-            <a:extLst>
-              <a:ext uri="{28A0092B-C50C-407E-A947-70E740481C1C}">
-                <a14:useLocalDpi xmlns:a14="http://schemas.microsoft.com/office/drawing/2010/main" val="0"/>
-              </a:ext>
-            </a:extLst>
-          </a:blip>
-          <a:srcRect/>
-          <a:stretch>
-            <a:fillRect/>
-          </a:stretch>
-        </p:blipFill>
-        <p:spPr bwMode="auto">
-          <a:xfrm>
-            <a:off x="6477000" y="2895600"/>
-            <a:ext cx="1896085" cy="2838450"/>
-          </a:xfrm>
-          <a:prstGeom prst="rect">
-            <a:avLst/>
-          </a:prstGeom>
-          <a:noFill/>
-          <a:ln>
-            <a:noFill/>
-          </a:ln>
-          <a:extLst>
-            <a:ext uri="{909E8E84-426E-40DD-AFC4-6F175D3DCCD1}">
-              <a14:hiddenFill xmlns:a14="http://schemas.microsoft.com/office/drawing/2010/main">
-                <a:solidFill>
-                  <a:schemeClr val="accent1"/>
-                </a:solidFill>
-              </a14:hiddenFill>
-            </a:ext>
-            <a:ext uri="{91240B29-F687-4F45-9708-019B960494DF}">
-              <a14:hiddenLine xmlns:a14="http://schemas.microsoft.com/office/drawing/2010/main" w="9525">
-                <a:solidFill>
-                  <a:schemeClr val="tx1"/>
-                </a:solidFill>
-                <a:miter lim="800000"/>
-                <a:headEnd/>
-                <a:tailEnd/>
-              </a14:hiddenLine>
-            </a:ext>
-          </a:extLst>
-        </p:spPr>
-      </p:pic>
-      <p:pic>
-        <p:nvPicPr>
-          <p:cNvPr id="3082" name="Picture 10"/>
-          <p:cNvPicPr>
-            <a:picLocks noChangeAspect="1" noChangeArrowheads="1"/>
-          </p:cNvPicPr>
-          <p:nvPr/>
-        </p:nvPicPr>
-        <p:blipFill>
-          <a:blip r:embed="rId7" cstate="print">
-            <a:extLst>
-              <a:ext uri="{28A0092B-C50C-407E-A947-70E740481C1C}">
-                <a14:useLocalDpi xmlns:a14="http://schemas.microsoft.com/office/drawing/2010/main" val="0"/>
-              </a:ext>
-            </a:extLst>
-          </a:blip>
-          <a:srcRect/>
-          <a:stretch>
-            <a:fillRect/>
-          </a:stretch>
-        </p:blipFill>
-        <p:spPr bwMode="auto">
-          <a:xfrm>
-            <a:off x="1028733" y="3992592"/>
-            <a:ext cx="2020104" cy="1347788"/>
-          </a:xfrm>
-          <a:prstGeom prst="rect">
-            <a:avLst/>
-          </a:prstGeom>
-          <a:noFill/>
-          <a:ln>
-            <a:noFill/>
-          </a:ln>
-          <a:extLst>
-            <a:ext uri="{909E8E84-426E-40DD-AFC4-6F175D3DCCD1}">
-              <a14:hiddenFill xmlns:a14="http://schemas.microsoft.com/office/drawing/2010/main">
-                <a:solidFill>
-                  <a:schemeClr val="accent1"/>
-                </a:solidFill>
-              </a14:hiddenFill>
-            </a:ext>
-            <a:ext uri="{91240B29-F687-4F45-9708-019B960494DF}">
-              <a14:hiddenLine xmlns:a14="http://schemas.microsoft.com/office/drawing/2010/main" w="9525">
-                <a:solidFill>
-                  <a:schemeClr val="tx1"/>
-                </a:solidFill>
-                <a:miter lim="800000"/>
-                <a:headEnd/>
-                <a:tailEnd/>
-              </a14:hiddenLine>
-            </a:ext>
-          </a:extLst>
-        </p:spPr>
-      </p:pic>
-      <p:cxnSp>
-        <p:nvCxnSpPr>
-          <p:cNvPr id="11" name="Straight Connector 10"/>
-          <p:cNvCxnSpPr/>
-          <p:nvPr/>
-        </p:nvCxnSpPr>
-        <p:spPr>
-          <a:xfrm>
-            <a:off x="3004267" y="1381550"/>
-            <a:ext cx="1491533" cy="942549"/>
-          </a:xfrm>
-          <a:prstGeom prst="line">
-            <a:avLst/>
-          </a:prstGeom>
-          <a:ln w="15875">
-            <a:solidFill>
-              <a:srgbClr val="FF0000"/>
-            </a:solidFill>
-            <a:prstDash val="dash"/>
-          </a:ln>
-        </p:spPr>
-        <p:style>
-          <a:lnRef idx="1">
-            <a:schemeClr val="accent1"/>
-          </a:lnRef>
-          <a:fillRef idx="0">
-            <a:schemeClr val="accent1"/>
-          </a:fillRef>
-          <a:effectRef idx="0">
-            <a:schemeClr val="accent1"/>
-          </a:effectRef>
-          <a:fontRef idx="minor">
-            <a:schemeClr val="tx1"/>
-          </a:fontRef>
-        </p:style>
-      </p:cxnSp>
-      <p:cxnSp>
-        <p:nvCxnSpPr>
-          <p:cNvPr id="13" name="Straight Connector 12"/>
-          <p:cNvCxnSpPr/>
-          <p:nvPr/>
-        </p:nvCxnSpPr>
-        <p:spPr>
-          <a:xfrm>
-            <a:off x="2743200" y="2286000"/>
-            <a:ext cx="1752600" cy="76199"/>
-          </a:xfrm>
-          <a:prstGeom prst="line">
-            <a:avLst/>
-          </a:prstGeom>
-          <a:ln w="15875">
-            <a:solidFill>
-              <a:srgbClr val="FF0000"/>
-            </a:solidFill>
-            <a:prstDash val="dash"/>
-          </a:ln>
-        </p:spPr>
-        <p:style>
-          <a:lnRef idx="1">
-            <a:schemeClr val="accent1"/>
-          </a:lnRef>
-          <a:fillRef idx="0">
-            <a:schemeClr val="accent1"/>
-          </a:fillRef>
-          <a:effectRef idx="0">
-            <a:schemeClr val="accent1"/>
-          </a:effectRef>
-          <a:fontRef idx="minor">
-            <a:schemeClr val="tx1"/>
-          </a:fontRef>
-        </p:style>
-      </p:cxnSp>
-      <p:cxnSp>
-        <p:nvCxnSpPr>
-          <p:cNvPr id="15" name="Straight Connector 14"/>
-          <p:cNvCxnSpPr/>
-          <p:nvPr/>
-        </p:nvCxnSpPr>
-        <p:spPr>
-          <a:xfrm>
-            <a:off x="5331849" y="1981199"/>
-            <a:ext cx="1373751" cy="1981201"/>
-          </a:xfrm>
-          <a:prstGeom prst="line">
-            <a:avLst/>
-          </a:prstGeom>
-          <a:ln w="15875">
-            <a:solidFill>
-              <a:srgbClr val="FF0000"/>
-            </a:solidFill>
-            <a:prstDash val="dash"/>
-          </a:ln>
-        </p:spPr>
-        <p:style>
-          <a:lnRef idx="1">
-            <a:schemeClr val="accent1"/>
-          </a:lnRef>
-          <a:fillRef idx="0">
-            <a:schemeClr val="accent1"/>
-          </a:fillRef>
-          <a:effectRef idx="0">
-            <a:schemeClr val="accent1"/>
-          </a:effectRef>
-          <a:fontRef idx="minor">
-            <a:schemeClr val="tx1"/>
-          </a:fontRef>
-        </p:style>
-      </p:cxnSp>
-      <p:cxnSp>
-        <p:nvCxnSpPr>
-          <p:cNvPr id="17" name="Straight Connector 16"/>
-          <p:cNvCxnSpPr/>
-          <p:nvPr/>
-        </p:nvCxnSpPr>
-        <p:spPr>
-          <a:xfrm>
-            <a:off x="4267200" y="3293673"/>
-            <a:ext cx="2362200" cy="592527"/>
-          </a:xfrm>
-          <a:prstGeom prst="line">
-            <a:avLst/>
-          </a:prstGeom>
-          <a:ln w="15875">
-            <a:solidFill>
-              <a:srgbClr val="FF0000"/>
-            </a:solidFill>
-            <a:prstDash val="dash"/>
-          </a:ln>
-        </p:spPr>
-        <p:style>
-          <a:lnRef idx="1">
-            <a:schemeClr val="accent1"/>
-          </a:lnRef>
-          <a:fillRef idx="0">
-            <a:schemeClr val="accent1"/>
-          </a:fillRef>
-          <a:effectRef idx="0">
-            <a:schemeClr val="accent1"/>
-          </a:effectRef>
-          <a:fontRef idx="minor">
-            <a:schemeClr val="tx1"/>
-          </a:fontRef>
-        </p:style>
-      </p:cxnSp>
-      <p:sp>
-        <p:nvSpPr>
-          <p:cNvPr id="23" name="Rectangle 22"/>
-          <p:cNvSpPr/>
-          <p:nvPr/>
-        </p:nvSpPr>
-        <p:spPr>
-          <a:xfrm>
-            <a:off x="1473606" y="2414670"/>
-            <a:ext cx="700833" cy="369332"/>
-          </a:xfrm>
-          <a:prstGeom prst="rect">
-            <a:avLst/>
-          </a:prstGeom>
-        </p:spPr>
-        <p:txBody>
-          <a:bodyPr wrap="none">
-            <a:spAutoFit/>
-          </a:bodyPr>
-          <a:lstStyle/>
-          <a:p>
-            <a:r>
-              <a:rPr lang="en-US" dirty="0" smtClean="0"/>
-              <a:t>Word</a:t>
-            </a:r>
-            <a:endParaRPr lang="en-US" dirty="0"/>
-          </a:p>
-        </p:txBody>
-      </p:sp>
-      <p:sp>
-        <p:nvSpPr>
-          <p:cNvPr id="33" name="Rectangle 32"/>
-          <p:cNvSpPr/>
-          <p:nvPr/>
-        </p:nvSpPr>
-        <p:spPr>
-          <a:xfrm>
-            <a:off x="4267200" y="3701534"/>
-            <a:ext cx="1165191" cy="369332"/>
-          </a:xfrm>
-          <a:prstGeom prst="rect">
-            <a:avLst/>
-          </a:prstGeom>
-        </p:spPr>
-        <p:txBody>
-          <a:bodyPr wrap="none">
-            <a:spAutoFit/>
-          </a:bodyPr>
-          <a:lstStyle/>
-          <a:p>
-            <a:r>
-              <a:rPr lang="en-US" dirty="0" smtClean="0"/>
-              <a:t>Document</a:t>
-            </a:r>
-            <a:endParaRPr lang="en-US" dirty="0"/>
-          </a:p>
-        </p:txBody>
-      </p:sp>
-      <p:sp>
-        <p:nvSpPr>
-          <p:cNvPr id="24" name="Rectangle 23"/>
-          <p:cNvSpPr/>
-          <p:nvPr/>
-        </p:nvSpPr>
-        <p:spPr>
-          <a:xfrm>
-            <a:off x="7017077" y="5734050"/>
-            <a:ext cx="843501" cy="369332"/>
-          </a:xfrm>
-          <a:prstGeom prst="rect">
-            <a:avLst/>
-          </a:prstGeom>
-        </p:spPr>
-        <p:txBody>
-          <a:bodyPr wrap="none">
-            <a:spAutoFit/>
-          </a:bodyPr>
-          <a:lstStyle/>
-          <a:p>
-            <a:r>
-              <a:rPr lang="en-US" dirty="0" smtClean="0"/>
-              <a:t>Corpus</a:t>
-            </a:r>
-            <a:endParaRPr lang="en-US" dirty="0"/>
-          </a:p>
-        </p:txBody>
-      </p:sp>
-      <p:sp>
-        <p:nvSpPr>
-          <p:cNvPr id="35" name="Rectangle 34"/>
-          <p:cNvSpPr/>
-          <p:nvPr/>
-        </p:nvSpPr>
-        <p:spPr>
-          <a:xfrm>
-            <a:off x="618171" y="5373973"/>
-            <a:ext cx="4861331" cy="369332"/>
-          </a:xfrm>
-          <a:prstGeom prst="rect">
-            <a:avLst/>
-          </a:prstGeom>
-        </p:spPr>
-        <p:txBody>
-          <a:bodyPr wrap="none">
-            <a:spAutoFit/>
-          </a:bodyPr>
-          <a:lstStyle/>
-          <a:p>
-            <a:r>
-              <a:rPr lang="en-US" dirty="0" smtClean="0"/>
-              <a:t>Dictionary: collection of distinct words in a corpus</a:t>
-            </a:r>
-            <a:endParaRPr lang="en-US" dirty="0"/>
-          </a:p>
-        </p:txBody>
-      </p:sp>
-    </p:spTree>
-    <p:extLst>
-      <p:ext uri="{BB962C8B-B14F-4D97-AF65-F5344CB8AC3E}">
-        <p14:creationId xmlns:p14="http://schemas.microsoft.com/office/powerpoint/2010/main" val="2627352194"/>
-      </p:ext>
-    </p:extLst>
-  </p:cSld>
-  <p:clrMapOvr>
-    <a:masterClrMapping/>
-  </p:clrMapOvr>
-  <p:timing>
-    <p:tnLst>
-      <p:par>
-        <p:cTn id="1" dur="indefinite" restart="never" nodeType="tmRoot"/>
-      </p:par>
-    </p:tnLst>
-  </p:timing>
-</p:sld>
-</file>
-
-<file path=ppt/slides/slide9.xml><?xml version="1.0" encoding="utf-8"?>
-<p:sld xmlns:a="http://schemas.openxmlformats.org/drawingml/2006/main" xmlns:r="http://schemas.openxmlformats.org/officeDocument/2006/relationships" xmlns:p="http://schemas.openxmlformats.org/presentationml/2006/main">
-  <p:cSld>
-    <p:spTree>
-      <p:nvGrpSpPr>
-        <p:cNvPr id="1" name=""/>
-        <p:cNvGrpSpPr/>
-        <p:nvPr/>
-      </p:nvGrpSpPr>
-      <p:grpSpPr>
-        <a:xfrm>
-          <a:off x="0" y="0"/>
-          <a:ext cx="0" cy="0"/>
-          <a:chOff x="0" y="0"/>
-          <a:chExt cx="0" cy="0"/>
-        </a:xfrm>
-      </p:grpSpPr>
-      <p:sp>
-        <p:nvSpPr>
-          <p:cNvPr id="9" name="Rectangle 8"/>
-          <p:cNvSpPr/>
-          <p:nvPr/>
-        </p:nvSpPr>
-        <p:spPr>
-          <a:xfrm>
-            <a:off x="0" y="6248400"/>
-            <a:ext cx="9144000" cy="609600"/>
-          </a:xfrm>
-          <a:prstGeom prst="rect">
-            <a:avLst/>
-          </a:prstGeom>
-          <a:solidFill>
-            <a:srgbClr val="CC0000"/>
-          </a:solidFill>
-          <a:ln>
-            <a:noFill/>
-          </a:ln>
-        </p:spPr>
-        <p:style>
-          <a:lnRef idx="2">
-            <a:schemeClr val="accent1">
-              <a:shade val="50000"/>
-            </a:schemeClr>
-          </a:lnRef>
-          <a:fillRef idx="1">
-            <a:schemeClr val="accent1"/>
-          </a:fillRef>
-          <a:effectRef idx="0">
-            <a:schemeClr val="accent1"/>
-          </a:effectRef>
-          <a:fontRef idx="minor">
-            <a:schemeClr val="lt1"/>
-          </a:fontRef>
-        </p:style>
-        <p:txBody>
-          <a:bodyPr rtlCol="0" anchor="ctr"/>
-          <a:lstStyle/>
-          <a:p>
-            <a:pPr algn="ctr"/>
-            <a:r>
-              <a:rPr lang="en-US" cap="small" dirty="0" smtClean="0">
-                <a:solidFill>
-                  <a:srgbClr val="C8102E"/>
-                </a:solidFill>
-              </a:rPr>
-              <a:t>Iowa State University</a:t>
-            </a:r>
-            <a:endParaRPr lang="en-US" cap="small" dirty="0">
-              <a:solidFill>
-                <a:srgbClr val="C8102E"/>
-              </a:solidFill>
-            </a:endParaRPr>
-          </a:p>
-        </p:txBody>
-      </p:sp>
-      <p:sp>
-        <p:nvSpPr>
-          <p:cNvPr id="2" name="Title 1"/>
-          <p:cNvSpPr>
-            <a:spLocks noGrp="1"/>
-          </p:cNvSpPr>
-          <p:nvPr>
-            <p:ph type="title"/>
-          </p:nvPr>
-        </p:nvSpPr>
-        <p:spPr>
-          <a:xfrm>
-            <a:off x="460375" y="76200"/>
-            <a:ext cx="8229600" cy="792162"/>
-          </a:xfrm>
-        </p:spPr>
-        <p:txBody>
-          <a:bodyPr>
-            <a:noAutofit/>
-          </a:bodyPr>
-          <a:lstStyle/>
-          <a:p>
-            <a:pPr algn="l"/>
-            <a:r>
-              <a:rPr lang="en-US" sz="2800" dirty="0"/>
-              <a:t>Text Representation: Bag of words </a:t>
-            </a:r>
-            <a:endParaRPr lang="en-US" sz="2800" dirty="0">
-              <a:latin typeface="+mn-lt"/>
-            </a:endParaRPr>
-          </a:p>
-        </p:txBody>
-      </p:sp>
-      <p:sp>
-        <p:nvSpPr>
-          <p:cNvPr id="7" name="Slide Number Placeholder 6"/>
-          <p:cNvSpPr>
-            <a:spLocks noGrp="1"/>
-          </p:cNvSpPr>
-          <p:nvPr>
-            <p:ph type="sldNum" sz="quarter" idx="12"/>
-          </p:nvPr>
-        </p:nvSpPr>
-        <p:spPr/>
-        <p:txBody>
-          <a:bodyPr/>
-          <a:lstStyle/>
-          <a:p>
-            <a:fld id="{B6F15528-21DE-4FAA-801E-634DDDAF4B2B}" type="slidenum">
-              <a:rPr lang="en-US" smtClean="0">
-                <a:solidFill>
-                  <a:schemeClr val="bg1"/>
-                </a:solidFill>
-              </a:rPr>
-              <a:pPr/>
-              <a:t>9</a:t>
-            </a:fld>
-            <a:endParaRPr lang="en-US" dirty="0">
-              <a:solidFill>
-                <a:schemeClr val="bg1"/>
-              </a:solidFill>
-            </a:endParaRPr>
-          </a:p>
-        </p:txBody>
-      </p:sp>
-      <p:pic>
-        <p:nvPicPr>
-          <p:cNvPr id="1026" name="Picture 2"/>
-          <p:cNvPicPr>
-            <a:picLocks noChangeAspect="1" noChangeArrowheads="1"/>
-          </p:cNvPicPr>
-          <p:nvPr/>
-        </p:nvPicPr>
-        <p:blipFill>
-          <a:blip r:embed="rId3">
-            <a:extLst>
-              <a:ext uri="{28A0092B-C50C-407E-A947-70E740481C1C}">
-                <a14:useLocalDpi xmlns:a14="http://schemas.microsoft.com/office/drawing/2010/main" val="0"/>
-              </a:ext>
-            </a:extLst>
-          </a:blip>
-          <a:srcRect/>
-          <a:stretch>
-            <a:fillRect/>
-          </a:stretch>
-        </p:blipFill>
-        <p:spPr bwMode="auto">
-          <a:xfrm>
-            <a:off x="152400" y="6248400"/>
-            <a:ext cx="3029309" cy="366852"/>
-          </a:xfrm>
-          <a:prstGeom prst="rect">
-            <a:avLst/>
-          </a:prstGeom>
-          <a:noFill/>
-          <a:ln>
-            <a:noFill/>
-          </a:ln>
-          <a:effectLst/>
-          <a:extLst>
-            <a:ext uri="{909E8E84-426E-40DD-AFC4-6F175D3DCCD1}">
-              <a14:hiddenFill xmlns:a14="http://schemas.microsoft.com/office/drawing/2010/main">
-                <a:solidFill>
-                  <a:schemeClr val="accent1"/>
-                </a:solidFill>
-              </a14:hiddenFill>
-            </a:ext>
-            <a:ext uri="{91240B29-F687-4F45-9708-019B960494DF}">
-              <a14:hiddenLine xmlns:a14="http://schemas.microsoft.com/office/drawing/2010/main" w="9525">
-                <a:solidFill>
-                  <a:schemeClr val="tx1"/>
-                </a:solidFill>
-                <a:miter lim="800000"/>
-                <a:headEnd/>
-                <a:tailEnd/>
-              </a14:hiddenLine>
-            </a:ext>
-            <a:ext uri="{AF507438-7753-43E0-B8FC-AC1667EBCBE1}">
-              <a14:hiddenEffects xmlns:a14="http://schemas.microsoft.com/office/drawing/2010/main">
-                <a:effectLst>
-                  <a:outerShdw dist="35921" dir="2700000" algn="ctr" rotWithShape="0">
-                    <a:schemeClr val="bg2"/>
-                  </a:outerShdw>
-                </a:effectLst>
-              </a14:hiddenEffects>
-            </a:ext>
-          </a:extLst>
-        </p:spPr>
-      </p:pic>
-      <p:sp>
-        <p:nvSpPr>
-          <p:cNvPr id="10" name="TextBox 9"/>
-          <p:cNvSpPr txBox="1"/>
-          <p:nvPr/>
-        </p:nvSpPr>
-        <p:spPr>
-          <a:xfrm>
-            <a:off x="152400" y="6530095"/>
-            <a:ext cx="2092239" cy="307777"/>
-          </a:xfrm>
-          <a:prstGeom prst="rect">
-            <a:avLst/>
-          </a:prstGeom>
-          <a:noFill/>
-        </p:spPr>
-        <p:txBody>
-          <a:bodyPr wrap="none" rtlCol="0">
-            <a:spAutoFit/>
-          </a:bodyPr>
-          <a:lstStyle/>
-          <a:p>
-            <a:r>
-              <a:rPr lang="en-US" sz="1400" dirty="0" smtClean="0">
-                <a:solidFill>
-                  <a:schemeClr val="bg1"/>
-                </a:solidFill>
-                <a:latin typeface="Book Antiqua" panose="02040602050305030304" pitchFamily="18" charset="0"/>
-              </a:rPr>
-              <a:t>Department of Statistics</a:t>
-            </a:r>
-            <a:endParaRPr lang="en-US" sz="1400" dirty="0">
-              <a:solidFill>
-                <a:schemeClr val="bg1"/>
-              </a:solidFill>
-              <a:latin typeface="Book Antiqua" panose="02040602050305030304" pitchFamily="18" charset="0"/>
-            </a:endParaRPr>
-          </a:p>
-        </p:txBody>
-      </p:sp>
       <p:sp>
         <p:nvSpPr>
           <p:cNvPr id="4" name="AutoShape 2" descr="Image result for yelp"/>
@@ -46899,7 +47764,7 @@
         </p:nvSpPr>
         <p:spPr>
           <a:xfrm>
-            <a:off x="762000" y="1524000"/>
+            <a:off x="495064" y="1676400"/>
             <a:ext cx="3499150" cy="1295400"/>
           </a:xfrm>
           <a:prstGeom prst="wedgeRoundRectCallout">
@@ -46942,7 +47807,7 @@
             </a:r>
             <a:r>
               <a:rPr lang="en-US" sz="1600" i="1" dirty="0" smtClean="0"/>
-              <a:t>delicious</a:t>
+              <a:t>delicious.</a:t>
             </a:r>
             <a:endParaRPr lang="en-US" sz="1600" dirty="0"/>
           </a:p>
@@ -46957,14 +47822,14 @@
           <p:nvPr>
             <p:extLst>
               <p:ext uri="{D42A27DB-BD31-4B8C-83A1-F6EECF244321}">
-                <p14:modId xmlns:p14="http://schemas.microsoft.com/office/powerpoint/2010/main" val="6983206"/>
+                <p14:modId xmlns:p14="http://schemas.microsoft.com/office/powerpoint/2010/main" val="125388467"/>
               </p:ext>
             </p:extLst>
           </p:nvPr>
         </p:nvGraphicFramePr>
         <p:xfrm>
-          <a:off x="5410200" y="1564258"/>
-          <a:ext cx="1409700" cy="3619500"/>
+          <a:off x="7162800" y="1447800"/>
+          <a:ext cx="1409700" cy="3606165"/>
         </p:xfrm>
         <a:graphic>
           <a:graphicData uri="http://schemas.openxmlformats.org/drawingml/2006/table">
@@ -46974,7 +47839,7 @@
                 <a:gridCol w="736600"/>
                 <a:gridCol w="673100"/>
               </a:tblGrid>
-              <a:tr h="190500">
+              <a:tr h="58946">
                 <a:tc>
                   <a:txBody>
                     <a:bodyPr/>
@@ -47112,7 +47977,7 @@
                     <a:p>
                       <a:pPr algn="ctr" fontAlgn="b"/>
                       <a:r>
-                        <a:rPr lang="en-US" sz="1100" b="0" i="0" u="none" strike="noStrike">
+                        <a:rPr lang="en-US" sz="1100" b="0" i="0" u="none" strike="noStrike" dirty="0">
                           <a:solidFill>
                             <a:srgbClr val="000000"/>
                           </a:solidFill>
@@ -47228,7 +48093,7 @@
                     <a:p>
                       <a:pPr algn="ctr" fontAlgn="b"/>
                       <a:r>
-                        <a:rPr lang="en-US" sz="1100" b="0" i="0" u="none" strike="noStrike">
+                        <a:rPr lang="en-US" sz="1100" b="0" i="0" u="none" strike="noStrike" dirty="0">
                           <a:solidFill>
                             <a:srgbClr val="000000"/>
                           </a:solidFill>
@@ -47344,7 +48209,7 @@
                     <a:p>
                       <a:pPr algn="ctr" fontAlgn="b"/>
                       <a:r>
-                        <a:rPr lang="en-US" sz="1100" b="0" i="0" u="none" strike="noStrike">
+                        <a:rPr lang="en-US" sz="1100" b="0" i="0" u="none" strike="noStrike" dirty="0">
                           <a:solidFill>
                             <a:srgbClr val="000000"/>
                           </a:solidFill>
@@ -47460,7 +48325,7 @@
                     <a:p>
                       <a:pPr algn="ctr" fontAlgn="b"/>
                       <a:r>
-                        <a:rPr lang="en-US" sz="1100" b="0" i="0" u="none" strike="noStrike">
+                        <a:rPr lang="en-US" sz="1100" b="0" i="0" u="none" strike="noStrike" dirty="0">
                           <a:solidFill>
                             <a:srgbClr val="000000"/>
                           </a:solidFill>
@@ -47576,7 +48441,7 @@
                     <a:p>
                       <a:pPr algn="ctr" fontAlgn="b"/>
                       <a:r>
-                        <a:rPr lang="en-US" sz="1100" b="0" i="0" u="none" strike="noStrike">
+                        <a:rPr lang="en-US" sz="1100" b="0" i="0" u="none" strike="noStrike" dirty="0">
                           <a:solidFill>
                             <a:srgbClr val="000000"/>
                           </a:solidFill>
@@ -47692,7 +48557,7 @@
                     <a:p>
                       <a:pPr algn="ctr" fontAlgn="b"/>
                       <a:r>
-                        <a:rPr lang="en-US" sz="1100" b="0" i="0" u="none" strike="noStrike">
+                        <a:rPr lang="en-US" sz="1100" b="0" i="0" u="none" strike="noStrike" dirty="0">
                           <a:solidFill>
                             <a:srgbClr val="000000"/>
                           </a:solidFill>
@@ -47808,7 +48673,7 @@
                     <a:p>
                       <a:pPr algn="ctr" fontAlgn="b"/>
                       <a:r>
-                        <a:rPr lang="en-US" sz="1100" b="0" i="0" u="none" strike="noStrike">
+                        <a:rPr lang="en-US" sz="1100" b="0" i="0" u="none" strike="noStrike" dirty="0">
                           <a:solidFill>
                             <a:srgbClr val="000000"/>
                           </a:solidFill>
@@ -47924,7 +48789,7 @@
                     <a:p>
                       <a:pPr algn="ctr" fontAlgn="b"/>
                       <a:r>
-                        <a:rPr lang="en-US" sz="1100" b="0" i="0" u="none" strike="noStrike">
+                        <a:rPr lang="en-US" sz="1100" b="0" i="0" u="none" strike="noStrike" dirty="0">
                           <a:solidFill>
                             <a:srgbClr val="000000"/>
                           </a:solidFill>
@@ -48040,7 +48905,7 @@
                     <a:p>
                       <a:pPr algn="ctr" fontAlgn="b"/>
                       <a:r>
-                        <a:rPr lang="en-US" sz="1100" b="0" i="0" u="none" strike="noStrike">
+                        <a:rPr lang="en-US" sz="1100" b="0" i="0" u="none" strike="noStrike" dirty="0">
                           <a:solidFill>
                             <a:srgbClr val="000000"/>
                           </a:solidFill>
@@ -48156,7 +49021,7 @@
                     <a:p>
                       <a:pPr algn="ctr" fontAlgn="b"/>
                       <a:r>
-                        <a:rPr lang="en-US" sz="1100" b="0" i="0" u="none" strike="noStrike">
+                        <a:rPr lang="en-US" sz="1100" b="0" i="0" u="none" strike="noStrike" dirty="0">
                           <a:solidFill>
                             <a:srgbClr val="000000"/>
                           </a:solidFill>
@@ -48272,7 +49137,7 @@
                     <a:p>
                       <a:pPr algn="ctr" fontAlgn="b"/>
                       <a:r>
-                        <a:rPr lang="en-US" sz="1100" b="0" i="0" u="none" strike="noStrike">
+                        <a:rPr lang="en-US" sz="1100" b="0" i="0" u="none" strike="noStrike" dirty="0">
                           <a:solidFill>
                             <a:srgbClr val="000000"/>
                           </a:solidFill>
@@ -48388,7 +49253,7 @@
                     <a:p>
                       <a:pPr algn="ctr" fontAlgn="b"/>
                       <a:r>
-                        <a:rPr lang="en-US" sz="1100" b="0" i="0" u="none" strike="noStrike">
+                        <a:rPr lang="en-US" sz="1100" b="0" i="0" u="none" strike="noStrike" dirty="0">
                           <a:solidFill>
                             <a:srgbClr val="000000"/>
                           </a:solidFill>
@@ -48504,7 +49369,7 @@
                     <a:p>
                       <a:pPr algn="ctr" fontAlgn="b"/>
                       <a:r>
-                        <a:rPr lang="en-US" sz="1100" b="0" i="0" u="none" strike="noStrike">
+                        <a:rPr lang="en-US" sz="1100" b="0" i="0" u="none" strike="noStrike" dirty="0">
                           <a:solidFill>
                             <a:srgbClr val="000000"/>
                           </a:solidFill>
@@ -48620,7 +49485,7 @@
                     <a:p>
                       <a:pPr algn="ctr" fontAlgn="b"/>
                       <a:r>
-                        <a:rPr lang="en-US" sz="1100" b="0" i="0" u="none" strike="noStrike">
+                        <a:rPr lang="en-US" sz="1100" b="0" i="0" u="none" strike="noStrike" dirty="0">
                           <a:solidFill>
                             <a:srgbClr val="000000"/>
                           </a:solidFill>
@@ -48736,7 +49601,7 @@
                     <a:p>
                       <a:pPr algn="ctr" fontAlgn="b"/>
                       <a:r>
-                        <a:rPr lang="en-US" sz="1100" b="0" i="0" u="none" strike="noStrike">
+                        <a:rPr lang="en-US" sz="1100" b="0" i="0" u="none" strike="noStrike" dirty="0">
                           <a:solidFill>
                             <a:srgbClr val="000000"/>
                           </a:solidFill>
@@ -48852,7 +49717,7 @@
                     <a:p>
                       <a:pPr algn="ctr" fontAlgn="b"/>
                       <a:r>
-                        <a:rPr lang="en-US" sz="1100" b="0" i="0" u="none" strike="noStrike">
+                        <a:rPr lang="en-US" sz="1100" b="0" i="0" u="none" strike="noStrike" dirty="0">
                           <a:solidFill>
                             <a:srgbClr val="000000"/>
                           </a:solidFill>
@@ -48968,7 +49833,7 @@
                     <a:p>
                       <a:pPr algn="ctr" fontAlgn="b"/>
                       <a:r>
-                        <a:rPr lang="en-US" sz="1100" b="0" i="0" u="none" strike="noStrike">
+                        <a:rPr lang="en-US" sz="1100" b="0" i="0" u="none" strike="noStrike" dirty="0">
                           <a:solidFill>
                             <a:srgbClr val="000000"/>
                           </a:solidFill>
@@ -49025,7 +49890,7 @@
                     <a:p>
                       <a:pPr algn="ctr" fontAlgn="b"/>
                       <a:r>
-                        <a:rPr lang="en-US" sz="1100" b="0" i="0" u="none" strike="noStrike">
+                        <a:rPr lang="en-US" sz="1100" b="0" i="0" u="none" strike="noStrike" dirty="0">
                           <a:solidFill>
                             <a:srgbClr val="000000"/>
                           </a:solidFill>
@@ -49256,61 +50121,13 @@
       </p:sp>
       <p:sp>
         <p:nvSpPr>
-          <p:cNvPr id="18" name="Right Arrow 17"/>
-          <p:cNvSpPr/>
-          <p:nvPr/>
-        </p:nvSpPr>
-        <p:spPr>
-          <a:xfrm>
-            <a:off x="4522398" y="1902843"/>
-            <a:ext cx="583002" cy="533400"/>
-          </a:xfrm>
-          <a:prstGeom prst="rightArrow">
-            <a:avLst/>
-          </a:prstGeom>
-          <a:solidFill>
-            <a:srgbClr val="FF0000"/>
-          </a:solidFill>
-          <a:ln>
-            <a:solidFill>
-              <a:srgbClr val="FF0000"/>
-            </a:solidFill>
-          </a:ln>
-        </p:spPr>
-        <p:style>
-          <a:lnRef idx="2">
-            <a:schemeClr val="accent1">
-              <a:shade val="50000"/>
-            </a:schemeClr>
-          </a:lnRef>
-          <a:fillRef idx="1">
-            <a:schemeClr val="accent1"/>
-          </a:fillRef>
-          <a:effectRef idx="0">
-            <a:schemeClr val="accent1"/>
-          </a:effectRef>
-          <a:fontRef idx="minor">
-            <a:schemeClr val="lt1"/>
-          </a:fontRef>
-        </p:style>
-        <p:txBody>
-          <a:bodyPr rtlCol="0" anchor="ctr"/>
-          <a:lstStyle/>
-          <a:p>
-            <a:pPr algn="ctr"/>
-            <a:endParaRPr lang="en-US"/>
-          </a:p>
-        </p:txBody>
-      </p:sp>
-      <p:sp>
-        <p:nvSpPr>
           <p:cNvPr id="19" name="TextBox 18"/>
           <p:cNvSpPr txBox="1"/>
           <p:nvPr/>
         </p:nvSpPr>
         <p:spPr>
           <a:xfrm>
-            <a:off x="5257800" y="1171922"/>
+            <a:off x="7010400" y="1055464"/>
             <a:ext cx="1648978" cy="369332"/>
           </a:xfrm>
           <a:prstGeom prst="rect">
@@ -49332,6 +50149,164 @@
           </a:p>
         </p:txBody>
       </p:sp>
+      <p:grpSp>
+        <p:nvGrpSpPr>
+          <p:cNvPr id="3" name="Group 2"/>
+          <p:cNvGrpSpPr/>
+          <p:nvPr/>
+        </p:nvGrpSpPr>
+        <p:grpSpPr>
+          <a:xfrm>
+            <a:off x="4293798" y="800100"/>
+            <a:ext cx="2758909" cy="2362200"/>
+            <a:chOff x="4293798" y="800100"/>
+            <a:chExt cx="2758909" cy="2362200"/>
+          </a:xfrm>
+        </p:grpSpPr>
+        <p:pic>
+          <p:nvPicPr>
+            <p:cNvPr id="2054" name="Picture 6" descr="Related image"/>
+            <p:cNvPicPr>
+              <a:picLocks noChangeAspect="1" noChangeArrowheads="1"/>
+            </p:cNvPicPr>
+            <p:nvPr/>
+          </p:nvPicPr>
+          <p:blipFill>
+            <a:blip r:embed="rId4">
+              <a:extLst>
+                <a:ext uri="{28A0092B-C50C-407E-A947-70E740481C1C}">
+                  <a14:useLocalDpi xmlns:a14="http://schemas.microsoft.com/office/drawing/2010/main" val="0"/>
+                </a:ext>
+              </a:extLst>
+            </a:blip>
+            <a:srcRect/>
+            <a:stretch>
+              <a:fillRect/>
+            </a:stretch>
+          </p:blipFill>
+          <p:spPr bwMode="auto">
+            <a:xfrm>
+              <a:off x="4690507" y="800100"/>
+              <a:ext cx="2362200" cy="2362200"/>
+            </a:xfrm>
+            <a:prstGeom prst="rect">
+              <a:avLst/>
+            </a:prstGeom>
+            <a:noFill/>
+            <a:extLst>
+              <a:ext uri="{909E8E84-426E-40DD-AFC4-6F175D3DCCD1}">
+                <a14:hiddenFill xmlns:a14="http://schemas.microsoft.com/office/drawing/2010/main">
+                  <a:solidFill>
+                    <a:srgbClr val="FFFFFF"/>
+                  </a:solidFill>
+                </a14:hiddenFill>
+              </a:ext>
+            </a:extLst>
+          </p:spPr>
+        </p:pic>
+        <p:pic>
+          <p:nvPicPr>
+            <p:cNvPr id="2051" name="Picture 3"/>
+            <p:cNvPicPr>
+              <a:picLocks noChangeAspect="1" noChangeArrowheads="1"/>
+            </p:cNvPicPr>
+            <p:nvPr/>
+          </p:nvPicPr>
+          <p:blipFill rotWithShape="1">
+            <a:blip r:embed="rId5" cstate="print">
+              <a:extLst>
+                <a:ext uri="{28A0092B-C50C-407E-A947-70E740481C1C}">
+                  <a14:useLocalDpi xmlns:a14="http://schemas.microsoft.com/office/drawing/2010/main" val="0"/>
+                </a:ext>
+              </a:extLst>
+            </a:blip>
+            <a:srcRect l="13995" t="12440" r="9569" b="9330"/>
+            <a:stretch/>
+          </p:blipFill>
+          <p:spPr bwMode="auto">
+            <a:xfrm>
+              <a:off x="5133852" y="1866899"/>
+              <a:ext cx="1475509" cy="1132610"/>
+            </a:xfrm>
+            <a:prstGeom prst="octagon">
+              <a:avLst>
+                <a:gd name="adj" fmla="val 17890"/>
+              </a:avLst>
+            </a:prstGeom>
+            <a:noFill/>
+            <a:ln>
+              <a:noFill/>
+            </a:ln>
+            <a:extLst>
+              <a:ext uri="{909E8E84-426E-40DD-AFC4-6F175D3DCCD1}">
+                <a14:hiddenFill xmlns:a14="http://schemas.microsoft.com/office/drawing/2010/main">
+                  <a:solidFill>
+                    <a:schemeClr val="accent1"/>
+                  </a:solidFill>
+                </a14:hiddenFill>
+              </a:ext>
+              <a:ext uri="{91240B29-F687-4F45-9708-019B960494DF}">
+                <a14:hiddenLine xmlns:a14="http://schemas.microsoft.com/office/drawing/2010/main" w="9525">
+                  <a:solidFill>
+                    <a:schemeClr val="tx1"/>
+                  </a:solidFill>
+                  <a:miter lim="800000"/>
+                  <a:headEnd/>
+                  <a:tailEnd/>
+                </a14:hiddenLine>
+              </a:ext>
+            </a:extLst>
+          </p:spPr>
+        </p:pic>
+        <p:sp>
+          <p:nvSpPr>
+            <p:cNvPr id="18" name="Right Arrow 17"/>
+            <p:cNvSpPr/>
+            <p:nvPr/>
+          </p:nvSpPr>
+          <p:spPr>
+            <a:xfrm>
+              <a:off x="4293798" y="1981200"/>
+              <a:ext cx="583002" cy="533400"/>
+            </a:xfrm>
+            <a:prstGeom prst="rightArrow">
+              <a:avLst/>
+            </a:prstGeom>
+            <a:solidFill>
+              <a:srgbClr val="FF0000"/>
+            </a:solidFill>
+            <a:ln>
+              <a:solidFill>
+                <a:srgbClr val="FF0000"/>
+              </a:solidFill>
+            </a:ln>
+          </p:spPr>
+          <p:style>
+            <a:lnRef idx="2">
+              <a:schemeClr val="accent1">
+                <a:shade val="50000"/>
+              </a:schemeClr>
+            </a:lnRef>
+            <a:fillRef idx="1">
+              <a:schemeClr val="accent1"/>
+            </a:fillRef>
+            <a:effectRef idx="0">
+              <a:schemeClr val="accent1"/>
+            </a:effectRef>
+            <a:fontRef idx="minor">
+              <a:schemeClr val="lt1"/>
+            </a:fontRef>
+          </p:style>
+          <p:txBody>
+            <a:bodyPr rtlCol="0" anchor="ctr"/>
+            <a:lstStyle/>
+            <a:p>
+              <a:pPr algn="ctr"/>
+              <a:endParaRPr lang="en-US"/>
+            </a:p>
+          </p:txBody>
+        </p:sp>
+      </p:grpSp>
     </p:spTree>
     <p:extLst>
       <p:ext uri="{BB962C8B-B14F-4D97-AF65-F5344CB8AC3E}">
@@ -49345,9 +50320,230 @@
   <p:timing>
     <p:tnLst>
       <p:par>
-        <p:cTn id="1" dur="indefinite" restart="never" nodeType="tmRoot"/>
+        <p:cTn id="1" dur="indefinite" restart="never" nodeType="tmRoot">
+          <p:childTnLst>
+            <p:seq concurrent="1" nextAc="seek">
+              <p:cTn id="2" dur="indefinite" nodeType="mainSeq">
+                <p:childTnLst>
+                  <p:par>
+                    <p:cTn id="3" fill="hold">
+                      <p:stCondLst>
+                        <p:cond delay="indefinite"/>
+                      </p:stCondLst>
+                      <p:childTnLst>
+                        <p:par>
+                          <p:cTn id="4" fill="hold">
+                            <p:stCondLst>
+                              <p:cond delay="0"/>
+                            </p:stCondLst>
+                            <p:childTnLst>
+                              <p:par>
+                                <p:cTn id="5" presetID="10" presetClass="entr" presetSubtype="0" fill="hold" nodeType="clickEffect">
+                                  <p:stCondLst>
+                                    <p:cond delay="0"/>
+                                  </p:stCondLst>
+                                  <p:childTnLst>
+                                    <p:set>
+                                      <p:cBhvr>
+                                        <p:cTn id="6" dur="1" fill="hold">
+                                          <p:stCondLst>
+                                            <p:cond delay="0"/>
+                                          </p:stCondLst>
+                                        </p:cTn>
+                                        <p:tgtEl>
+                                          <p:spTgt spid="3"/>
+                                        </p:tgtEl>
+                                        <p:attrNameLst>
+                                          <p:attrName>style.visibility</p:attrName>
+                                        </p:attrNameLst>
+                                      </p:cBhvr>
+                                      <p:to>
+                                        <p:strVal val="visible"/>
+                                      </p:to>
+                                    </p:set>
+                                    <p:animEffect transition="in" filter="fade">
+                                      <p:cBhvr>
+                                        <p:cTn id="7" dur="500"/>
+                                        <p:tgtEl>
+                                          <p:spTgt spid="3"/>
+                                        </p:tgtEl>
+                                      </p:cBhvr>
+                                    </p:animEffect>
+                                  </p:childTnLst>
+                                </p:cTn>
+                              </p:par>
+                            </p:childTnLst>
+                          </p:cTn>
+                        </p:par>
+                      </p:childTnLst>
+                    </p:cTn>
+                  </p:par>
+                  <p:par>
+                    <p:cTn id="8" fill="hold">
+                      <p:stCondLst>
+                        <p:cond delay="indefinite"/>
+                      </p:stCondLst>
+                      <p:childTnLst>
+                        <p:par>
+                          <p:cTn id="9" fill="hold">
+                            <p:stCondLst>
+                              <p:cond delay="0"/>
+                            </p:stCondLst>
+                            <p:childTnLst>
+                              <p:par>
+                                <p:cTn id="10" presetID="10" presetClass="entr" presetSubtype="0" fill="hold" nodeType="clickEffect">
+                                  <p:stCondLst>
+                                    <p:cond delay="0"/>
+                                  </p:stCondLst>
+                                  <p:childTnLst>
+                                    <p:set>
+                                      <p:cBhvr>
+                                        <p:cTn id="11" dur="1" fill="hold">
+                                          <p:stCondLst>
+                                            <p:cond delay="0"/>
+                                          </p:stCondLst>
+                                        </p:cTn>
+                                        <p:tgtEl>
+                                          <p:spTgt spid="16"/>
+                                        </p:tgtEl>
+                                        <p:attrNameLst>
+                                          <p:attrName>style.visibility</p:attrName>
+                                        </p:attrNameLst>
+                                      </p:cBhvr>
+                                      <p:to>
+                                        <p:strVal val="visible"/>
+                                      </p:to>
+                                    </p:set>
+                                    <p:animEffect transition="in" filter="fade">
+                                      <p:cBhvr>
+                                        <p:cTn id="12" dur="500"/>
+                                        <p:tgtEl>
+                                          <p:spTgt spid="16"/>
+                                        </p:tgtEl>
+                                      </p:cBhvr>
+                                    </p:animEffect>
+                                  </p:childTnLst>
+                                </p:cTn>
+                              </p:par>
+                              <p:par>
+                                <p:cTn id="13" presetID="10" presetClass="entr" presetSubtype="0" fill="hold" grpId="0" nodeType="withEffect">
+                                  <p:stCondLst>
+                                    <p:cond delay="0"/>
+                                  </p:stCondLst>
+                                  <p:childTnLst>
+                                    <p:set>
+                                      <p:cBhvr>
+                                        <p:cTn id="14" dur="1" fill="hold">
+                                          <p:stCondLst>
+                                            <p:cond delay="0"/>
+                                          </p:stCondLst>
+                                        </p:cTn>
+                                        <p:tgtEl>
+                                          <p:spTgt spid="19"/>
+                                        </p:tgtEl>
+                                        <p:attrNameLst>
+                                          <p:attrName>style.visibility</p:attrName>
+                                        </p:attrNameLst>
+                                      </p:cBhvr>
+                                      <p:to>
+                                        <p:strVal val="visible"/>
+                                      </p:to>
+                                    </p:set>
+                                    <p:animEffect transition="in" filter="fade">
+                                      <p:cBhvr>
+                                        <p:cTn id="15" dur="500"/>
+                                        <p:tgtEl>
+                                          <p:spTgt spid="19"/>
+                                        </p:tgtEl>
+                                      </p:cBhvr>
+                                    </p:animEffect>
+                                  </p:childTnLst>
+                                </p:cTn>
+                              </p:par>
+                            </p:childTnLst>
+                          </p:cTn>
+                        </p:par>
+                      </p:childTnLst>
+                    </p:cTn>
+                  </p:par>
+                  <p:par>
+                    <p:cTn id="16" fill="hold">
+                      <p:stCondLst>
+                        <p:cond delay="indefinite"/>
+                      </p:stCondLst>
+                      <p:childTnLst>
+                        <p:par>
+                          <p:cTn id="17" fill="hold">
+                            <p:stCondLst>
+                              <p:cond delay="0"/>
+                            </p:stCondLst>
+                            <p:childTnLst>
+                              <p:par>
+                                <p:cTn id="18" presetID="10" presetClass="entr" presetSubtype="0" fill="hold" grpId="0" nodeType="clickEffect">
+                                  <p:stCondLst>
+                                    <p:cond delay="0"/>
+                                  </p:stCondLst>
+                                  <p:childTnLst>
+                                    <p:set>
+                                      <p:cBhvr>
+                                        <p:cTn id="19" dur="1" fill="hold">
+                                          <p:stCondLst>
+                                            <p:cond delay="0"/>
+                                          </p:stCondLst>
+                                        </p:cTn>
+                                        <p:tgtEl>
+                                          <p:spTgt spid="17"/>
+                                        </p:tgtEl>
+                                        <p:attrNameLst>
+                                          <p:attrName>style.visibility</p:attrName>
+                                        </p:attrNameLst>
+                                      </p:cBhvr>
+                                      <p:to>
+                                        <p:strVal val="visible"/>
+                                      </p:to>
+                                    </p:set>
+                                    <p:animEffect transition="in" filter="fade">
+                                      <p:cBhvr>
+                                        <p:cTn id="20" dur="500"/>
+                                        <p:tgtEl>
+                                          <p:spTgt spid="17"/>
+                                        </p:tgtEl>
+                                      </p:cBhvr>
+                                    </p:animEffect>
+                                  </p:childTnLst>
+                                </p:cTn>
+                              </p:par>
+                            </p:childTnLst>
+                          </p:cTn>
+                        </p:par>
+                      </p:childTnLst>
+                    </p:cTn>
+                  </p:par>
+                </p:childTnLst>
+              </p:cTn>
+              <p:prevCondLst>
+                <p:cond evt="onPrev" delay="0">
+                  <p:tgtEl>
+                    <p:sldTgt/>
+                  </p:tgtEl>
+                </p:cond>
+              </p:prevCondLst>
+              <p:nextCondLst>
+                <p:cond evt="onNext" delay="0">
+                  <p:tgtEl>
+                    <p:sldTgt/>
+                  </p:tgtEl>
+                </p:cond>
+              </p:nextCondLst>
+            </p:seq>
+          </p:childTnLst>
+        </p:cTn>
       </p:par>
     </p:tnLst>
+    <p:bldLst>
+      <p:bldP spid="17" grpId="0"/>
+      <p:bldP spid="19" grpId="0"/>
+    </p:bldLst>
   </p:timing>
 </p:sld>
 </file>
